--- a/FinishedProject/Sketch_gauthier_ppt.pptx
+++ b/FinishedProject/Sketch_gauthier_ppt.pptx
@@ -132,6 +132,1944 @@
 </p:presentation>
 </file>
 
+<file path=ppt/charts/chart1.xml><?xml version="1.0" encoding="utf-8"?>
+<c:chartSpace xmlns:c="http://schemas.openxmlformats.org/drawingml/2006/chart" xmlns:a="http://schemas.openxmlformats.org/drawingml/2006/main" xmlns:r="http://schemas.openxmlformats.org/officeDocument/2006/relationships">
+  <c:date1904 val="0"/>
+  <c:lang val="en-US"/>
+  <c:roundedCorners val="0"/>
+  <mc:AlternateContent xmlns:mc="http://schemas.openxmlformats.org/markup-compatibility/2006">
+    <mc:Choice xmlns:c14="http://schemas.microsoft.com/office/drawing/2007/8/2/chart" Requires="c14">
+      <c14:style val="102"/>
+    </mc:Choice>
+    <mc:Fallback>
+      <c:style val="2"/>
+    </mc:Fallback>
+  </mc:AlternateContent>
+  <c:chart>
+    <c:title>
+      <c:tx>
+        <c:rich>
+          <a:bodyPr rot="0" spcFirstLastPara="1" vertOverflow="ellipsis" vert="horz" wrap="square" anchor="ctr" anchorCtr="1"/>
+          <a:lstStyle/>
+          <a:p>
+            <a:pPr>
+              <a:defRPr sz="1400" b="0" i="0" u="none" strike="noStrike" kern="1200" spc="0" baseline="0">
+                <a:solidFill>
+                  <a:schemeClr val="tx1">
+                    <a:lumMod val="65000"/>
+                    <a:lumOff val="35000"/>
+                  </a:schemeClr>
+                </a:solidFill>
+                <a:latin typeface="+mn-lt"/>
+                <a:ea typeface="+mn-ea"/>
+                <a:cs typeface="+mn-cs"/>
+              </a:defRPr>
+            </a:pPr>
+            <a:r>
+              <a:rPr lang="nl-BE"/>
+              <a:t>pwm=999</a:t>
+            </a:r>
+          </a:p>
+        </c:rich>
+      </c:tx>
+      <c:layout/>
+      <c:overlay val="0"/>
+      <c:spPr>
+        <a:noFill/>
+        <a:ln>
+          <a:noFill/>
+        </a:ln>
+        <a:effectLst/>
+      </c:spPr>
+      <c:txPr>
+        <a:bodyPr rot="0" spcFirstLastPara="1" vertOverflow="ellipsis" vert="horz" wrap="square" anchor="ctr" anchorCtr="1"/>
+        <a:lstStyle/>
+        <a:p>
+          <a:pPr>
+            <a:defRPr sz="1400" b="0" i="0" u="none" strike="noStrike" kern="1200" spc="0" baseline="0">
+              <a:solidFill>
+                <a:schemeClr val="tx1">
+                  <a:lumMod val="65000"/>
+                  <a:lumOff val="35000"/>
+                </a:schemeClr>
+              </a:solidFill>
+              <a:latin typeface="+mn-lt"/>
+              <a:ea typeface="+mn-ea"/>
+              <a:cs typeface="+mn-cs"/>
+            </a:defRPr>
+          </a:pPr>
+          <a:endParaRPr lang="nl-BE"/>
+        </a:p>
+      </c:txPr>
+    </c:title>
+    <c:autoTitleDeleted val="0"/>
+    <c:plotArea>
+      <c:layout/>
+      <c:scatterChart>
+        <c:scatterStyle val="smoothMarker"/>
+        <c:varyColors val="0"/>
+        <c:ser>
+          <c:idx val="0"/>
+          <c:order val="0"/>
+          <c:tx>
+            <c:v>1st_test</c:v>
+          </c:tx>
+          <c:spPr>
+            <a:ln w="19050" cap="rnd">
+              <a:solidFill>
+                <a:schemeClr val="accent1"/>
+              </a:solidFill>
+              <a:round/>
+            </a:ln>
+            <a:effectLst/>
+          </c:spPr>
+          <c:marker>
+            <c:symbol val="none"/>
+          </c:marker>
+          <c:xVal>
+            <c:numRef>
+              <c:f>'2de_batch'!$N$3:$N$16</c:f>
+              <c:numCache>
+                <c:formatCode>General</c:formatCode>
+                <c:ptCount val="14"/>
+                <c:pt idx="0">
+                  <c:v>1</c:v>
+                </c:pt>
+                <c:pt idx="1">
+                  <c:v>2</c:v>
+                </c:pt>
+                <c:pt idx="2">
+                  <c:v>3</c:v>
+                </c:pt>
+                <c:pt idx="3">
+                  <c:v>4</c:v>
+                </c:pt>
+                <c:pt idx="4">
+                  <c:v>5</c:v>
+                </c:pt>
+                <c:pt idx="5">
+                  <c:v>6</c:v>
+                </c:pt>
+                <c:pt idx="6">
+                  <c:v>7</c:v>
+                </c:pt>
+                <c:pt idx="7">
+                  <c:v>8</c:v>
+                </c:pt>
+                <c:pt idx="8">
+                  <c:v>9</c:v>
+                </c:pt>
+                <c:pt idx="9">
+                  <c:v>10</c:v>
+                </c:pt>
+                <c:pt idx="10">
+                  <c:v>11</c:v>
+                </c:pt>
+                <c:pt idx="11">
+                  <c:v>12</c:v>
+                </c:pt>
+                <c:pt idx="12">
+                  <c:v>13</c:v>
+                </c:pt>
+                <c:pt idx="13">
+                  <c:v>14</c:v>
+                </c:pt>
+              </c:numCache>
+            </c:numRef>
+          </c:xVal>
+          <c:yVal>
+            <c:numRef>
+              <c:f>('2de_batch'!$P$38,'2de_batch'!$P$40,'2de_batch'!$P$42,'2de_batch'!$P$44,'2de_batch'!$P$46,'2de_batch'!$P$48,'2de_batch'!$P$50,'2de_batch'!$P$52,'2de_batch'!$P$54,'2de_batch'!$P$56,'2de_batch'!$P$58,'2de_batch'!$P$60,'2de_batch'!$P$62,'2de_batch'!$P$64)</c:f>
+              <c:numCache>
+                <c:formatCode>General</c:formatCode>
+                <c:ptCount val="14"/>
+                <c:pt idx="0">
+                  <c:v>0</c:v>
+                </c:pt>
+                <c:pt idx="1">
+                  <c:v>9</c:v>
+                </c:pt>
+                <c:pt idx="2">
+                  <c:v>15</c:v>
+                </c:pt>
+                <c:pt idx="3">
+                  <c:v>16</c:v>
+                </c:pt>
+                <c:pt idx="4">
+                  <c:v>15</c:v>
+                </c:pt>
+                <c:pt idx="5">
+                  <c:v>16</c:v>
+                </c:pt>
+                <c:pt idx="6">
+                  <c:v>14</c:v>
+                </c:pt>
+                <c:pt idx="7">
+                  <c:v>16</c:v>
+                </c:pt>
+                <c:pt idx="8">
+                  <c:v>15</c:v>
+                </c:pt>
+                <c:pt idx="9">
+                  <c:v>14</c:v>
+                </c:pt>
+                <c:pt idx="10">
+                  <c:v>6</c:v>
+                </c:pt>
+                <c:pt idx="11">
+                  <c:v>2</c:v>
+                </c:pt>
+                <c:pt idx="12">
+                  <c:v>1</c:v>
+                </c:pt>
+                <c:pt idx="13">
+                  <c:v>0</c:v>
+                </c:pt>
+              </c:numCache>
+            </c:numRef>
+          </c:yVal>
+          <c:smooth val="1"/>
+        </c:ser>
+        <c:ser>
+          <c:idx val="1"/>
+          <c:order val="1"/>
+          <c:tx>
+            <c:v>2nd_test</c:v>
+          </c:tx>
+          <c:spPr>
+            <a:ln w="19050" cap="rnd">
+              <a:solidFill>
+                <a:schemeClr val="accent2"/>
+              </a:solidFill>
+              <a:round/>
+            </a:ln>
+            <a:effectLst/>
+          </c:spPr>
+          <c:marker>
+            <c:symbol val="none"/>
+          </c:marker>
+          <c:xVal>
+            <c:numRef>
+              <c:f>'2de_batch'!$N$3:$N$10</c:f>
+              <c:numCache>
+                <c:formatCode>General</c:formatCode>
+                <c:ptCount val="8"/>
+                <c:pt idx="0">
+                  <c:v>1</c:v>
+                </c:pt>
+                <c:pt idx="1">
+                  <c:v>2</c:v>
+                </c:pt>
+                <c:pt idx="2">
+                  <c:v>3</c:v>
+                </c:pt>
+                <c:pt idx="3">
+                  <c:v>4</c:v>
+                </c:pt>
+                <c:pt idx="4">
+                  <c:v>5</c:v>
+                </c:pt>
+                <c:pt idx="5">
+                  <c:v>6</c:v>
+                </c:pt>
+                <c:pt idx="6">
+                  <c:v>7</c:v>
+                </c:pt>
+                <c:pt idx="7">
+                  <c:v>8</c:v>
+                </c:pt>
+              </c:numCache>
+            </c:numRef>
+          </c:xVal>
+          <c:yVal>
+            <c:numRef>
+              <c:f>('2de_batch'!$Q$40,'2de_batch'!$Q$42,'2de_batch'!$Q$44,'2de_batch'!$Q$46,'2de_batch'!$Q$48,'2de_batch'!$Q$50,'2de_batch'!$Q$52,'2de_batch'!$Q$54)</c:f>
+              <c:numCache>
+                <c:formatCode>General</c:formatCode>
+                <c:ptCount val="8"/>
+                <c:pt idx="0">
+                  <c:v>0</c:v>
+                </c:pt>
+                <c:pt idx="1">
+                  <c:v>114</c:v>
+                </c:pt>
+                <c:pt idx="2">
+                  <c:v>47</c:v>
+                </c:pt>
+                <c:pt idx="3">
+                  <c:v>10</c:v>
+                </c:pt>
+                <c:pt idx="4">
+                  <c:v>7</c:v>
+                </c:pt>
+                <c:pt idx="5">
+                  <c:v>3</c:v>
+                </c:pt>
+                <c:pt idx="6">
+                  <c:v>31</c:v>
+                </c:pt>
+                <c:pt idx="7">
+                  <c:v>0</c:v>
+                </c:pt>
+              </c:numCache>
+            </c:numRef>
+          </c:yVal>
+          <c:smooth val="1"/>
+        </c:ser>
+        <c:ser>
+          <c:idx val="2"/>
+          <c:order val="2"/>
+          <c:tx>
+            <c:v>3rd_test</c:v>
+          </c:tx>
+          <c:spPr>
+            <a:ln w="19050" cap="rnd">
+              <a:solidFill>
+                <a:schemeClr val="accent3"/>
+              </a:solidFill>
+              <a:round/>
+            </a:ln>
+            <a:effectLst/>
+          </c:spPr>
+          <c:marker>
+            <c:symbol val="none"/>
+          </c:marker>
+          <c:xVal>
+            <c:numRef>
+              <c:f>'2de_batch'!$N$3:$N$10</c:f>
+              <c:numCache>
+                <c:formatCode>General</c:formatCode>
+                <c:ptCount val="8"/>
+                <c:pt idx="0">
+                  <c:v>1</c:v>
+                </c:pt>
+                <c:pt idx="1">
+                  <c:v>2</c:v>
+                </c:pt>
+                <c:pt idx="2">
+                  <c:v>3</c:v>
+                </c:pt>
+                <c:pt idx="3">
+                  <c:v>4</c:v>
+                </c:pt>
+                <c:pt idx="4">
+                  <c:v>5</c:v>
+                </c:pt>
+                <c:pt idx="5">
+                  <c:v>6</c:v>
+                </c:pt>
+                <c:pt idx="6">
+                  <c:v>7</c:v>
+                </c:pt>
+                <c:pt idx="7">
+                  <c:v>8</c:v>
+                </c:pt>
+              </c:numCache>
+            </c:numRef>
+          </c:xVal>
+          <c:yVal>
+            <c:numRef>
+              <c:f>('2de_batch'!$R$36,'2de_batch'!$R$38,'2de_batch'!$R$40,'2de_batch'!$R$42,'2de_batch'!$R$44,'2de_batch'!$R$46,'2de_batch'!$R$48,'2de_batch'!$R$50)</c:f>
+              <c:numCache>
+                <c:formatCode>General</c:formatCode>
+                <c:ptCount val="8"/>
+                <c:pt idx="0">
+                  <c:v>0</c:v>
+                </c:pt>
+                <c:pt idx="1">
+                  <c:v>118</c:v>
+                </c:pt>
+                <c:pt idx="2">
+                  <c:v>18</c:v>
+                </c:pt>
+                <c:pt idx="3">
+                  <c:v>14</c:v>
+                </c:pt>
+                <c:pt idx="4">
+                  <c:v>9</c:v>
+                </c:pt>
+                <c:pt idx="5">
+                  <c:v>5</c:v>
+                </c:pt>
+                <c:pt idx="6">
+                  <c:v>2</c:v>
+                </c:pt>
+                <c:pt idx="7">
+                  <c:v>0</c:v>
+                </c:pt>
+              </c:numCache>
+            </c:numRef>
+          </c:yVal>
+          <c:smooth val="1"/>
+        </c:ser>
+        <c:ser>
+          <c:idx val="3"/>
+          <c:order val="3"/>
+          <c:tx>
+            <c:v>4th_test</c:v>
+          </c:tx>
+          <c:spPr>
+            <a:ln w="19050" cap="rnd">
+              <a:solidFill>
+                <a:schemeClr val="accent4"/>
+              </a:solidFill>
+              <a:round/>
+            </a:ln>
+            <a:effectLst/>
+          </c:spPr>
+          <c:marker>
+            <c:symbol val="none"/>
+          </c:marker>
+          <c:xVal>
+            <c:numRef>
+              <c:f>'2de_batch'!$N$3:$N$9</c:f>
+              <c:numCache>
+                <c:formatCode>General</c:formatCode>
+                <c:ptCount val="7"/>
+                <c:pt idx="0">
+                  <c:v>1</c:v>
+                </c:pt>
+                <c:pt idx="1">
+                  <c:v>2</c:v>
+                </c:pt>
+                <c:pt idx="2">
+                  <c:v>3</c:v>
+                </c:pt>
+                <c:pt idx="3">
+                  <c:v>4</c:v>
+                </c:pt>
+                <c:pt idx="4">
+                  <c:v>5</c:v>
+                </c:pt>
+                <c:pt idx="5">
+                  <c:v>6</c:v>
+                </c:pt>
+                <c:pt idx="6">
+                  <c:v>7</c:v>
+                </c:pt>
+              </c:numCache>
+            </c:numRef>
+          </c:xVal>
+          <c:yVal>
+            <c:numRef>
+              <c:f>('2de_batch'!$S$44,'2de_batch'!$S$46,'2de_batch'!$S$48,'2de_batch'!$S$50,'2de_batch'!$S$52,'2de_batch'!$S$54,'2de_batch'!$S$56)</c:f>
+              <c:numCache>
+                <c:formatCode>General</c:formatCode>
+                <c:ptCount val="7"/>
+                <c:pt idx="0">
+                  <c:v>0</c:v>
+                </c:pt>
+                <c:pt idx="1">
+                  <c:v>135</c:v>
+                </c:pt>
+                <c:pt idx="2">
+                  <c:v>13</c:v>
+                </c:pt>
+                <c:pt idx="3">
+                  <c:v>10</c:v>
+                </c:pt>
+                <c:pt idx="4">
+                  <c:v>5</c:v>
+                </c:pt>
+                <c:pt idx="5">
+                  <c:v>2</c:v>
+                </c:pt>
+                <c:pt idx="6">
+                  <c:v>0</c:v>
+                </c:pt>
+              </c:numCache>
+            </c:numRef>
+          </c:yVal>
+          <c:smooth val="1"/>
+        </c:ser>
+        <c:ser>
+          <c:idx val="4"/>
+          <c:order val="4"/>
+          <c:tx>
+            <c:v>5th_test</c:v>
+          </c:tx>
+          <c:spPr>
+            <a:ln w="19050" cap="rnd">
+              <a:solidFill>
+                <a:schemeClr val="accent5"/>
+              </a:solidFill>
+              <a:round/>
+            </a:ln>
+            <a:effectLst/>
+          </c:spPr>
+          <c:marker>
+            <c:symbol val="none"/>
+          </c:marker>
+          <c:xVal>
+            <c:numRef>
+              <c:f>'2de_batch'!$N$3:$N$9</c:f>
+              <c:numCache>
+                <c:formatCode>General</c:formatCode>
+                <c:ptCount val="7"/>
+                <c:pt idx="0">
+                  <c:v>1</c:v>
+                </c:pt>
+                <c:pt idx="1">
+                  <c:v>2</c:v>
+                </c:pt>
+                <c:pt idx="2">
+                  <c:v>3</c:v>
+                </c:pt>
+                <c:pt idx="3">
+                  <c:v>4</c:v>
+                </c:pt>
+                <c:pt idx="4">
+                  <c:v>5</c:v>
+                </c:pt>
+                <c:pt idx="5">
+                  <c:v>6</c:v>
+                </c:pt>
+                <c:pt idx="6">
+                  <c:v>7</c:v>
+                </c:pt>
+              </c:numCache>
+            </c:numRef>
+          </c:xVal>
+          <c:yVal>
+            <c:numRef>
+              <c:f>('2de_batch'!$T$48,'2de_batch'!$T$50,'2de_batch'!$T$52,'2de_batch'!$T$54,'2de_batch'!$T$56,'2de_batch'!$T$58,'2de_batch'!$T$60)</c:f>
+              <c:numCache>
+                <c:formatCode>General</c:formatCode>
+                <c:ptCount val="7"/>
+                <c:pt idx="0">
+                  <c:v>0</c:v>
+                </c:pt>
+                <c:pt idx="1">
+                  <c:v>133</c:v>
+                </c:pt>
+                <c:pt idx="2">
+                  <c:v>33</c:v>
+                </c:pt>
+                <c:pt idx="3">
+                  <c:v>10</c:v>
+                </c:pt>
+                <c:pt idx="4">
+                  <c:v>6</c:v>
+                </c:pt>
+                <c:pt idx="5">
+                  <c:v>2</c:v>
+                </c:pt>
+                <c:pt idx="6">
+                  <c:v>0</c:v>
+                </c:pt>
+              </c:numCache>
+            </c:numRef>
+          </c:yVal>
+          <c:smooth val="1"/>
+        </c:ser>
+        <c:ser>
+          <c:idx val="5"/>
+          <c:order val="5"/>
+          <c:tx>
+            <c:v>6th_test</c:v>
+          </c:tx>
+          <c:spPr>
+            <a:ln w="19050" cap="rnd">
+              <a:solidFill>
+                <a:schemeClr val="accent6"/>
+              </a:solidFill>
+              <a:round/>
+            </a:ln>
+            <a:effectLst/>
+          </c:spPr>
+          <c:marker>
+            <c:symbol val="none"/>
+          </c:marker>
+          <c:xVal>
+            <c:numRef>
+              <c:f>'2de_batch'!$N$3:$N$16</c:f>
+              <c:numCache>
+                <c:formatCode>General</c:formatCode>
+                <c:ptCount val="14"/>
+                <c:pt idx="0">
+                  <c:v>1</c:v>
+                </c:pt>
+                <c:pt idx="1">
+                  <c:v>2</c:v>
+                </c:pt>
+                <c:pt idx="2">
+                  <c:v>3</c:v>
+                </c:pt>
+                <c:pt idx="3">
+                  <c:v>4</c:v>
+                </c:pt>
+                <c:pt idx="4">
+                  <c:v>5</c:v>
+                </c:pt>
+                <c:pt idx="5">
+                  <c:v>6</c:v>
+                </c:pt>
+                <c:pt idx="6">
+                  <c:v>7</c:v>
+                </c:pt>
+                <c:pt idx="7">
+                  <c:v>8</c:v>
+                </c:pt>
+                <c:pt idx="8">
+                  <c:v>9</c:v>
+                </c:pt>
+                <c:pt idx="9">
+                  <c:v>10</c:v>
+                </c:pt>
+                <c:pt idx="10">
+                  <c:v>11</c:v>
+                </c:pt>
+                <c:pt idx="11">
+                  <c:v>12</c:v>
+                </c:pt>
+                <c:pt idx="12">
+                  <c:v>13</c:v>
+                </c:pt>
+                <c:pt idx="13">
+                  <c:v>14</c:v>
+                </c:pt>
+              </c:numCache>
+            </c:numRef>
+          </c:xVal>
+          <c:yVal>
+            <c:numRef>
+              <c:f>('2de_batch'!$U$32,'2de_batch'!$U$34,'2de_batch'!$U$36,'2de_batch'!$U$38,'2de_batch'!$U$40,'2de_batch'!$U$42,'2de_batch'!$U$44,'2de_batch'!$U$46,'2de_batch'!$U$48,'2de_batch'!$U$50,'2de_batch'!$U$52,'2de_batch'!$U$54,'2de_batch'!$U$56,'2de_batch'!$U$58)</c:f>
+              <c:numCache>
+                <c:formatCode>General</c:formatCode>
+                <c:ptCount val="14"/>
+                <c:pt idx="0">
+                  <c:v>0</c:v>
+                </c:pt>
+                <c:pt idx="1">
+                  <c:v>46</c:v>
+                </c:pt>
+                <c:pt idx="2">
+                  <c:v>16</c:v>
+                </c:pt>
+                <c:pt idx="3">
+                  <c:v>16</c:v>
+                </c:pt>
+                <c:pt idx="4">
+                  <c:v>15</c:v>
+                </c:pt>
+                <c:pt idx="5">
+                  <c:v>15</c:v>
+                </c:pt>
+                <c:pt idx="6">
+                  <c:v>15</c:v>
+                </c:pt>
+                <c:pt idx="7">
+                  <c:v>13</c:v>
+                </c:pt>
+                <c:pt idx="8">
+                  <c:v>10</c:v>
+                </c:pt>
+                <c:pt idx="9">
+                  <c:v>6</c:v>
+                </c:pt>
+                <c:pt idx="10">
+                  <c:v>3</c:v>
+                </c:pt>
+                <c:pt idx="11">
+                  <c:v>1</c:v>
+                </c:pt>
+                <c:pt idx="12">
+                  <c:v>1</c:v>
+                </c:pt>
+                <c:pt idx="13">
+                  <c:v>0</c:v>
+                </c:pt>
+              </c:numCache>
+            </c:numRef>
+          </c:yVal>
+          <c:smooth val="1"/>
+        </c:ser>
+        <c:ser>
+          <c:idx val="6"/>
+          <c:order val="6"/>
+          <c:tx>
+            <c:v>7th_test</c:v>
+          </c:tx>
+          <c:spPr>
+            <a:ln w="19050" cap="rnd">
+              <a:solidFill>
+                <a:schemeClr val="accent1">
+                  <a:lumMod val="60000"/>
+                </a:schemeClr>
+              </a:solidFill>
+              <a:round/>
+            </a:ln>
+            <a:effectLst/>
+          </c:spPr>
+          <c:marker>
+            <c:symbol val="none"/>
+          </c:marker>
+          <c:xVal>
+            <c:numRef>
+              <c:f>'2de_batch'!$N$3:$N$12</c:f>
+              <c:numCache>
+                <c:formatCode>General</c:formatCode>
+                <c:ptCount val="10"/>
+                <c:pt idx="0">
+                  <c:v>1</c:v>
+                </c:pt>
+                <c:pt idx="1">
+                  <c:v>2</c:v>
+                </c:pt>
+                <c:pt idx="2">
+                  <c:v>3</c:v>
+                </c:pt>
+                <c:pt idx="3">
+                  <c:v>4</c:v>
+                </c:pt>
+                <c:pt idx="4">
+                  <c:v>5</c:v>
+                </c:pt>
+                <c:pt idx="5">
+                  <c:v>6</c:v>
+                </c:pt>
+                <c:pt idx="6">
+                  <c:v>7</c:v>
+                </c:pt>
+                <c:pt idx="7">
+                  <c:v>8</c:v>
+                </c:pt>
+                <c:pt idx="8">
+                  <c:v>9</c:v>
+                </c:pt>
+                <c:pt idx="9">
+                  <c:v>10</c:v>
+                </c:pt>
+              </c:numCache>
+            </c:numRef>
+          </c:xVal>
+          <c:yVal>
+            <c:numRef>
+              <c:f>('2de_batch'!$V$36,'2de_batch'!$V$38,'2de_batch'!$V$40,'2de_batch'!$V$42,'2de_batch'!$V$44,'2de_batch'!$V$46,'2de_batch'!$V$48,'2de_batch'!$V$50,'2de_batch'!$V$52,'2de_batch'!$V$54)</c:f>
+              <c:numCache>
+                <c:formatCode>General</c:formatCode>
+                <c:ptCount val="10"/>
+                <c:pt idx="0">
+                  <c:v>0</c:v>
+                </c:pt>
+                <c:pt idx="1">
+                  <c:v>76</c:v>
+                </c:pt>
+                <c:pt idx="2">
+                  <c:v>14</c:v>
+                </c:pt>
+                <c:pt idx="3">
+                  <c:v>15</c:v>
+                </c:pt>
+                <c:pt idx="4">
+                  <c:v>15</c:v>
+                </c:pt>
+                <c:pt idx="5">
+                  <c:v>13</c:v>
+                </c:pt>
+                <c:pt idx="6">
+                  <c:v>11</c:v>
+                </c:pt>
+                <c:pt idx="7">
+                  <c:v>7</c:v>
+                </c:pt>
+                <c:pt idx="8">
+                  <c:v>3</c:v>
+                </c:pt>
+                <c:pt idx="9">
+                  <c:v>0</c:v>
+                </c:pt>
+              </c:numCache>
+            </c:numRef>
+          </c:yVal>
+          <c:smooth val="1"/>
+        </c:ser>
+        <c:ser>
+          <c:idx val="7"/>
+          <c:order val="7"/>
+          <c:tx>
+            <c:v>8th_test</c:v>
+          </c:tx>
+          <c:spPr>
+            <a:ln w="19050" cap="rnd">
+              <a:solidFill>
+                <a:schemeClr val="accent2">
+                  <a:lumMod val="60000"/>
+                </a:schemeClr>
+              </a:solidFill>
+              <a:round/>
+            </a:ln>
+            <a:effectLst/>
+          </c:spPr>
+          <c:marker>
+            <c:symbol val="none"/>
+          </c:marker>
+          <c:xVal>
+            <c:numRef>
+              <c:f>'2de_batch'!$N$3:$N$11</c:f>
+              <c:numCache>
+                <c:formatCode>General</c:formatCode>
+                <c:ptCount val="9"/>
+                <c:pt idx="0">
+                  <c:v>1</c:v>
+                </c:pt>
+                <c:pt idx="1">
+                  <c:v>2</c:v>
+                </c:pt>
+                <c:pt idx="2">
+                  <c:v>3</c:v>
+                </c:pt>
+                <c:pt idx="3">
+                  <c:v>4</c:v>
+                </c:pt>
+                <c:pt idx="4">
+                  <c:v>5</c:v>
+                </c:pt>
+                <c:pt idx="5">
+                  <c:v>6</c:v>
+                </c:pt>
+                <c:pt idx="6">
+                  <c:v>7</c:v>
+                </c:pt>
+                <c:pt idx="7">
+                  <c:v>8</c:v>
+                </c:pt>
+                <c:pt idx="8">
+                  <c:v>9</c:v>
+                </c:pt>
+              </c:numCache>
+            </c:numRef>
+          </c:xVal>
+          <c:yVal>
+            <c:numRef>
+              <c:f>('2de_batch'!$W$38,'2de_batch'!$W$40,'2de_batch'!$W$42,'2de_batch'!$W$44,'2de_batch'!$W$46,'2de_batch'!$W$48,'2de_batch'!$W$50,'2de_batch'!$W$52,'2de_batch'!$W$54)</c:f>
+              <c:numCache>
+                <c:formatCode>General</c:formatCode>
+                <c:ptCount val="9"/>
+                <c:pt idx="0">
+                  <c:v>0</c:v>
+                </c:pt>
+                <c:pt idx="1">
+                  <c:v>97</c:v>
+                </c:pt>
+                <c:pt idx="2">
+                  <c:v>16</c:v>
+                </c:pt>
+                <c:pt idx="3">
+                  <c:v>15</c:v>
+                </c:pt>
+                <c:pt idx="4">
+                  <c:v>11</c:v>
+                </c:pt>
+                <c:pt idx="5">
+                  <c:v>8</c:v>
+                </c:pt>
+                <c:pt idx="6">
+                  <c:v>3</c:v>
+                </c:pt>
+                <c:pt idx="7">
+                  <c:v>1</c:v>
+                </c:pt>
+                <c:pt idx="8">
+                  <c:v>0</c:v>
+                </c:pt>
+              </c:numCache>
+            </c:numRef>
+          </c:yVal>
+          <c:smooth val="1"/>
+        </c:ser>
+        <c:ser>
+          <c:idx val="8"/>
+          <c:order val="8"/>
+          <c:tx>
+            <c:v>9th_test</c:v>
+          </c:tx>
+          <c:spPr>
+            <a:ln w="19050" cap="rnd">
+              <a:solidFill>
+                <a:schemeClr val="accent3">
+                  <a:lumMod val="60000"/>
+                </a:schemeClr>
+              </a:solidFill>
+              <a:round/>
+            </a:ln>
+            <a:effectLst/>
+          </c:spPr>
+          <c:marker>
+            <c:symbol val="none"/>
+          </c:marker>
+          <c:xVal>
+            <c:numRef>
+              <c:f>'2de_batch'!$N$3:$N$11</c:f>
+              <c:numCache>
+                <c:formatCode>General</c:formatCode>
+                <c:ptCount val="9"/>
+                <c:pt idx="0">
+                  <c:v>1</c:v>
+                </c:pt>
+                <c:pt idx="1">
+                  <c:v>2</c:v>
+                </c:pt>
+                <c:pt idx="2">
+                  <c:v>3</c:v>
+                </c:pt>
+                <c:pt idx="3">
+                  <c:v>4</c:v>
+                </c:pt>
+                <c:pt idx="4">
+                  <c:v>5</c:v>
+                </c:pt>
+                <c:pt idx="5">
+                  <c:v>6</c:v>
+                </c:pt>
+                <c:pt idx="6">
+                  <c:v>7</c:v>
+                </c:pt>
+                <c:pt idx="7">
+                  <c:v>8</c:v>
+                </c:pt>
+                <c:pt idx="8">
+                  <c:v>9</c:v>
+                </c:pt>
+              </c:numCache>
+            </c:numRef>
+          </c:xVal>
+          <c:yVal>
+            <c:numRef>
+              <c:f>('2de_batch'!$X$32,'2de_batch'!$X$34,'2de_batch'!$X$36,'2de_batch'!$X$38,'2de_batch'!$X$40,'2de_batch'!$X$42,'2de_batch'!$X$44,'2de_batch'!$X$46,'2de_batch'!$X$48)</c:f>
+              <c:numCache>
+                <c:formatCode>General</c:formatCode>
+                <c:ptCount val="9"/>
+                <c:pt idx="0">
+                  <c:v>0</c:v>
+                </c:pt>
+                <c:pt idx="1">
+                  <c:v>85</c:v>
+                </c:pt>
+                <c:pt idx="2">
+                  <c:v>15</c:v>
+                </c:pt>
+                <c:pt idx="3">
+                  <c:v>14</c:v>
+                </c:pt>
+                <c:pt idx="4">
+                  <c:v>14</c:v>
+                </c:pt>
+                <c:pt idx="5">
+                  <c:v>10</c:v>
+                </c:pt>
+                <c:pt idx="6">
+                  <c:v>6</c:v>
+                </c:pt>
+                <c:pt idx="7">
+                  <c:v>3</c:v>
+                </c:pt>
+                <c:pt idx="8">
+                  <c:v>0</c:v>
+                </c:pt>
+              </c:numCache>
+            </c:numRef>
+          </c:yVal>
+          <c:smooth val="1"/>
+        </c:ser>
+        <c:ser>
+          <c:idx val="9"/>
+          <c:order val="9"/>
+          <c:tx>
+            <c:v>10th_test</c:v>
+          </c:tx>
+          <c:spPr>
+            <a:ln w="19050" cap="rnd">
+              <a:solidFill>
+                <a:schemeClr val="accent4">
+                  <a:lumMod val="60000"/>
+                </a:schemeClr>
+              </a:solidFill>
+              <a:round/>
+            </a:ln>
+            <a:effectLst/>
+          </c:spPr>
+          <c:marker>
+            <c:symbol val="none"/>
+          </c:marker>
+          <c:xVal>
+            <c:numRef>
+              <c:f>'2de_batch'!$N$3:$N$12</c:f>
+              <c:numCache>
+                <c:formatCode>General</c:formatCode>
+                <c:ptCount val="10"/>
+                <c:pt idx="0">
+                  <c:v>1</c:v>
+                </c:pt>
+                <c:pt idx="1">
+                  <c:v>2</c:v>
+                </c:pt>
+                <c:pt idx="2">
+                  <c:v>3</c:v>
+                </c:pt>
+                <c:pt idx="3">
+                  <c:v>4</c:v>
+                </c:pt>
+                <c:pt idx="4">
+                  <c:v>5</c:v>
+                </c:pt>
+                <c:pt idx="5">
+                  <c:v>6</c:v>
+                </c:pt>
+                <c:pt idx="6">
+                  <c:v>7</c:v>
+                </c:pt>
+                <c:pt idx="7">
+                  <c:v>8</c:v>
+                </c:pt>
+                <c:pt idx="8">
+                  <c:v>9</c:v>
+                </c:pt>
+                <c:pt idx="9">
+                  <c:v>10</c:v>
+                </c:pt>
+              </c:numCache>
+            </c:numRef>
+          </c:xVal>
+          <c:yVal>
+            <c:numRef>
+              <c:f>('2de_batch'!$Y$40,'2de_batch'!$Y$42,'2de_batch'!$Y$44,'2de_batch'!$Y$46,'2de_batch'!$Y$48,'2de_batch'!$Y$50,'2de_batch'!$Y$52,'2de_batch'!$Y$54,'2de_batch'!$Y$56,'2de_batch'!$Y$58)</c:f>
+              <c:numCache>
+                <c:formatCode>General</c:formatCode>
+                <c:ptCount val="10"/>
+                <c:pt idx="0">
+                  <c:v>0</c:v>
+                </c:pt>
+                <c:pt idx="1">
+                  <c:v>59</c:v>
+                </c:pt>
+                <c:pt idx="2">
+                  <c:v>59</c:v>
+                </c:pt>
+                <c:pt idx="3">
+                  <c:v>102</c:v>
+                </c:pt>
+                <c:pt idx="4">
+                  <c:v>15</c:v>
+                </c:pt>
+                <c:pt idx="5">
+                  <c:v>14</c:v>
+                </c:pt>
+                <c:pt idx="6">
+                  <c:v>11</c:v>
+                </c:pt>
+                <c:pt idx="7">
+                  <c:v>7</c:v>
+                </c:pt>
+                <c:pt idx="8">
+                  <c:v>3</c:v>
+                </c:pt>
+                <c:pt idx="9">
+                  <c:v>0</c:v>
+                </c:pt>
+              </c:numCache>
+            </c:numRef>
+          </c:yVal>
+          <c:smooth val="1"/>
+        </c:ser>
+        <c:dLbls>
+          <c:showLegendKey val="0"/>
+          <c:showVal val="0"/>
+          <c:showCatName val="0"/>
+          <c:showSerName val="0"/>
+          <c:showPercent val="0"/>
+          <c:showBubbleSize val="0"/>
+        </c:dLbls>
+        <c:axId val="1925029712"/>
+        <c:axId val="1688268752"/>
+      </c:scatterChart>
+      <c:valAx>
+        <c:axId val="1925029712"/>
+        <c:scaling>
+          <c:orientation val="minMax"/>
+        </c:scaling>
+        <c:delete val="0"/>
+        <c:axPos val="b"/>
+        <c:majorGridlines>
+          <c:spPr>
+            <a:ln w="9525" cap="flat" cmpd="sng" algn="ctr">
+              <a:solidFill>
+                <a:schemeClr val="tx1">
+                  <a:lumMod val="15000"/>
+                  <a:lumOff val="85000"/>
+                </a:schemeClr>
+              </a:solidFill>
+              <a:round/>
+            </a:ln>
+            <a:effectLst/>
+          </c:spPr>
+        </c:majorGridlines>
+        <c:minorGridlines>
+          <c:spPr>
+            <a:ln w="9525" cap="flat" cmpd="sng" algn="ctr">
+              <a:solidFill>
+                <a:schemeClr val="tx1">
+                  <a:lumMod val="5000"/>
+                  <a:lumOff val="95000"/>
+                </a:schemeClr>
+              </a:solidFill>
+              <a:round/>
+            </a:ln>
+            <a:effectLst/>
+          </c:spPr>
+        </c:minorGridlines>
+        <c:title>
+          <c:tx>
+            <c:rich>
+              <a:bodyPr rot="0" spcFirstLastPara="1" vertOverflow="ellipsis" vert="horz" wrap="square" anchor="ctr" anchorCtr="1"/>
+              <a:lstStyle/>
+              <a:p>
+                <a:pPr>
+                  <a:defRPr sz="1000" b="0" i="0" u="none" strike="noStrike" kern="1200" baseline="0">
+                    <a:solidFill>
+                      <a:schemeClr val="tx1">
+                        <a:lumMod val="65000"/>
+                        <a:lumOff val="35000"/>
+                      </a:schemeClr>
+                    </a:solidFill>
+                    <a:latin typeface="+mn-lt"/>
+                    <a:ea typeface="+mn-ea"/>
+                    <a:cs typeface="+mn-cs"/>
+                  </a:defRPr>
+                </a:pPr>
+                <a:r>
+                  <a:rPr lang="nl-BE"/>
+                  <a:t>time (s)</a:t>
+                </a:r>
+              </a:p>
+            </c:rich>
+          </c:tx>
+          <c:layout/>
+          <c:overlay val="0"/>
+          <c:spPr>
+            <a:noFill/>
+            <a:ln>
+              <a:noFill/>
+            </a:ln>
+            <a:effectLst/>
+          </c:spPr>
+          <c:txPr>
+            <a:bodyPr rot="0" spcFirstLastPara="1" vertOverflow="ellipsis" vert="horz" wrap="square" anchor="ctr" anchorCtr="1"/>
+            <a:lstStyle/>
+            <a:p>
+              <a:pPr>
+                <a:defRPr sz="1000" b="0" i="0" u="none" strike="noStrike" kern="1200" baseline="0">
+                  <a:solidFill>
+                    <a:schemeClr val="tx1">
+                      <a:lumMod val="65000"/>
+                      <a:lumOff val="35000"/>
+                    </a:schemeClr>
+                  </a:solidFill>
+                  <a:latin typeface="+mn-lt"/>
+                  <a:ea typeface="+mn-ea"/>
+                  <a:cs typeface="+mn-cs"/>
+                </a:defRPr>
+              </a:pPr>
+              <a:endParaRPr lang="nl-BE"/>
+            </a:p>
+          </c:txPr>
+        </c:title>
+        <c:numFmt formatCode="General" sourceLinked="1"/>
+        <c:majorTickMark val="none"/>
+        <c:minorTickMark val="none"/>
+        <c:tickLblPos val="nextTo"/>
+        <c:spPr>
+          <a:noFill/>
+          <a:ln w="9525" cap="flat" cmpd="sng" algn="ctr">
+            <a:solidFill>
+              <a:schemeClr val="tx1">
+                <a:lumMod val="25000"/>
+                <a:lumOff val="75000"/>
+              </a:schemeClr>
+            </a:solidFill>
+            <a:round/>
+          </a:ln>
+          <a:effectLst/>
+        </c:spPr>
+        <c:txPr>
+          <a:bodyPr rot="-60000000" spcFirstLastPara="1" vertOverflow="ellipsis" vert="horz" wrap="square" anchor="ctr" anchorCtr="1"/>
+          <a:lstStyle/>
+          <a:p>
+            <a:pPr>
+              <a:defRPr sz="900" b="0" i="0" u="none" strike="noStrike" kern="1200" baseline="0">
+                <a:solidFill>
+                  <a:schemeClr val="tx1">
+                    <a:lumMod val="65000"/>
+                    <a:lumOff val="35000"/>
+                  </a:schemeClr>
+                </a:solidFill>
+                <a:latin typeface="+mn-lt"/>
+                <a:ea typeface="+mn-ea"/>
+                <a:cs typeface="+mn-cs"/>
+              </a:defRPr>
+            </a:pPr>
+            <a:endParaRPr lang="nl-BE"/>
+          </a:p>
+        </c:txPr>
+        <c:crossAx val="1688268752"/>
+        <c:crosses val="autoZero"/>
+        <c:crossBetween val="midCat"/>
+      </c:valAx>
+      <c:valAx>
+        <c:axId val="1688268752"/>
+        <c:scaling>
+          <c:orientation val="minMax"/>
+        </c:scaling>
+        <c:delete val="0"/>
+        <c:axPos val="l"/>
+        <c:majorGridlines>
+          <c:spPr>
+            <a:ln w="9525" cap="flat" cmpd="sng" algn="ctr">
+              <a:solidFill>
+                <a:schemeClr val="tx1">
+                  <a:lumMod val="15000"/>
+                  <a:lumOff val="85000"/>
+                </a:schemeClr>
+              </a:solidFill>
+              <a:round/>
+            </a:ln>
+            <a:effectLst/>
+          </c:spPr>
+        </c:majorGridlines>
+        <c:minorGridlines>
+          <c:spPr>
+            <a:ln w="9525" cap="flat" cmpd="sng" algn="ctr">
+              <a:solidFill>
+                <a:schemeClr val="tx1">
+                  <a:lumMod val="5000"/>
+                  <a:lumOff val="95000"/>
+                </a:schemeClr>
+              </a:solidFill>
+              <a:round/>
+            </a:ln>
+            <a:effectLst/>
+          </c:spPr>
+        </c:minorGridlines>
+        <c:title>
+          <c:tx>
+            <c:rich>
+              <a:bodyPr rot="-5400000" spcFirstLastPara="1" vertOverflow="ellipsis" vert="horz" wrap="square" anchor="ctr" anchorCtr="1"/>
+              <a:lstStyle/>
+              <a:p>
+                <a:pPr>
+                  <a:defRPr sz="1000" b="0" i="0" u="none" strike="noStrike" kern="1200" baseline="0">
+                    <a:solidFill>
+                      <a:schemeClr val="tx1">
+                        <a:lumMod val="65000"/>
+                        <a:lumOff val="35000"/>
+                      </a:schemeClr>
+                    </a:solidFill>
+                    <a:latin typeface="+mn-lt"/>
+                    <a:ea typeface="+mn-ea"/>
+                    <a:cs typeface="+mn-cs"/>
+                  </a:defRPr>
+                </a:pPr>
+                <a:r>
+                  <a:rPr lang="nl-BE"/>
+                  <a:t>speed (cm/s)</a:t>
+                </a:r>
+              </a:p>
+            </c:rich>
+          </c:tx>
+          <c:layout/>
+          <c:overlay val="0"/>
+          <c:spPr>
+            <a:noFill/>
+            <a:ln>
+              <a:noFill/>
+            </a:ln>
+            <a:effectLst/>
+          </c:spPr>
+          <c:txPr>
+            <a:bodyPr rot="-5400000" spcFirstLastPara="1" vertOverflow="ellipsis" vert="horz" wrap="square" anchor="ctr" anchorCtr="1"/>
+            <a:lstStyle/>
+            <a:p>
+              <a:pPr>
+                <a:defRPr sz="1000" b="0" i="0" u="none" strike="noStrike" kern="1200" baseline="0">
+                  <a:solidFill>
+                    <a:schemeClr val="tx1">
+                      <a:lumMod val="65000"/>
+                      <a:lumOff val="35000"/>
+                    </a:schemeClr>
+                  </a:solidFill>
+                  <a:latin typeface="+mn-lt"/>
+                  <a:ea typeface="+mn-ea"/>
+                  <a:cs typeface="+mn-cs"/>
+                </a:defRPr>
+              </a:pPr>
+              <a:endParaRPr lang="nl-BE"/>
+            </a:p>
+          </c:txPr>
+        </c:title>
+        <c:numFmt formatCode="General" sourceLinked="1"/>
+        <c:majorTickMark val="none"/>
+        <c:minorTickMark val="none"/>
+        <c:tickLblPos val="nextTo"/>
+        <c:spPr>
+          <a:noFill/>
+          <a:ln w="9525" cap="flat" cmpd="sng" algn="ctr">
+            <a:solidFill>
+              <a:schemeClr val="tx1">
+                <a:lumMod val="25000"/>
+                <a:lumOff val="75000"/>
+              </a:schemeClr>
+            </a:solidFill>
+            <a:round/>
+          </a:ln>
+          <a:effectLst/>
+        </c:spPr>
+        <c:txPr>
+          <a:bodyPr rot="-60000000" spcFirstLastPara="1" vertOverflow="ellipsis" vert="horz" wrap="square" anchor="ctr" anchorCtr="1"/>
+          <a:lstStyle/>
+          <a:p>
+            <a:pPr>
+              <a:defRPr sz="900" b="0" i="0" u="none" strike="noStrike" kern="1200" baseline="0">
+                <a:solidFill>
+                  <a:schemeClr val="tx1">
+                    <a:lumMod val="65000"/>
+                    <a:lumOff val="35000"/>
+                  </a:schemeClr>
+                </a:solidFill>
+                <a:latin typeface="+mn-lt"/>
+                <a:ea typeface="+mn-ea"/>
+                <a:cs typeface="+mn-cs"/>
+              </a:defRPr>
+            </a:pPr>
+            <a:endParaRPr lang="nl-BE"/>
+          </a:p>
+        </c:txPr>
+        <c:crossAx val="1925029712"/>
+        <c:crosses val="autoZero"/>
+        <c:crossBetween val="midCat"/>
+      </c:valAx>
+      <c:spPr>
+        <a:noFill/>
+        <a:ln>
+          <a:noFill/>
+        </a:ln>
+        <a:effectLst/>
+      </c:spPr>
+    </c:plotArea>
+    <c:legend>
+      <c:legendPos val="b"/>
+      <c:layout/>
+      <c:overlay val="0"/>
+      <c:spPr>
+        <a:noFill/>
+        <a:ln>
+          <a:noFill/>
+        </a:ln>
+        <a:effectLst/>
+      </c:spPr>
+      <c:txPr>
+        <a:bodyPr rot="0" spcFirstLastPara="1" vertOverflow="ellipsis" vert="horz" wrap="square" anchor="ctr" anchorCtr="1"/>
+        <a:lstStyle/>
+        <a:p>
+          <a:pPr>
+            <a:defRPr sz="900" b="0" i="0" u="none" strike="noStrike" kern="1200" baseline="0">
+              <a:solidFill>
+                <a:schemeClr val="tx1">
+                  <a:lumMod val="65000"/>
+                  <a:lumOff val="35000"/>
+                </a:schemeClr>
+              </a:solidFill>
+              <a:latin typeface="+mn-lt"/>
+              <a:ea typeface="+mn-ea"/>
+              <a:cs typeface="+mn-cs"/>
+            </a:defRPr>
+          </a:pPr>
+          <a:endParaRPr lang="nl-BE"/>
+        </a:p>
+      </c:txPr>
+    </c:legend>
+    <c:plotVisOnly val="1"/>
+    <c:dispBlanksAs val="gap"/>
+    <c:showDLblsOverMax val="0"/>
+  </c:chart>
+  <c:spPr>
+    <a:noFill/>
+    <a:ln>
+      <a:noFill/>
+    </a:ln>
+    <a:effectLst/>
+  </c:spPr>
+  <c:txPr>
+    <a:bodyPr/>
+    <a:lstStyle/>
+    <a:p>
+      <a:pPr>
+        <a:defRPr/>
+      </a:pPr>
+      <a:endParaRPr lang="nl-BE"/>
+    </a:p>
+  </c:txPr>
+  <c:externalData r:id="rId3">
+    <c:autoUpdate val="0"/>
+  </c:externalData>
+</c:chartSpace>
+</file>
+
+<file path=ppt/charts/colors1.xml><?xml version="1.0" encoding="utf-8"?>
+<cs:colorStyle xmlns:cs="http://schemas.microsoft.com/office/drawing/2012/chartStyle" xmlns:a="http://schemas.openxmlformats.org/drawingml/2006/main" meth="cycle" id="10">
+  <a:schemeClr val="accent1"/>
+  <a:schemeClr val="accent2"/>
+  <a:schemeClr val="accent3"/>
+  <a:schemeClr val="accent4"/>
+  <a:schemeClr val="accent5"/>
+  <a:schemeClr val="accent6"/>
+  <cs:variation/>
+  <cs:variation>
+    <a:lumMod val="60000"/>
+  </cs:variation>
+  <cs:variation>
+    <a:lumMod val="80000"/>
+    <a:lumOff val="20000"/>
+  </cs:variation>
+  <cs:variation>
+    <a:lumMod val="80000"/>
+  </cs:variation>
+  <cs:variation>
+    <a:lumMod val="60000"/>
+    <a:lumOff val="40000"/>
+  </cs:variation>
+  <cs:variation>
+    <a:lumMod val="50000"/>
+  </cs:variation>
+  <cs:variation>
+    <a:lumMod val="70000"/>
+    <a:lumOff val="30000"/>
+  </cs:variation>
+  <cs:variation>
+    <a:lumMod val="70000"/>
+  </cs:variation>
+  <cs:variation>
+    <a:lumMod val="50000"/>
+    <a:lumOff val="50000"/>
+  </cs:variation>
+</cs:colorStyle>
+</file>
+
+<file path=ppt/charts/style1.xml><?xml version="1.0" encoding="utf-8"?>
+<cs:chartStyle xmlns:cs="http://schemas.microsoft.com/office/drawing/2012/chartStyle" xmlns:a="http://schemas.openxmlformats.org/drawingml/2006/main" id="240">
+  <cs:axisTitle>
+    <cs:lnRef idx="0"/>
+    <cs:fillRef idx="0"/>
+    <cs:effectRef idx="0"/>
+    <cs:fontRef idx="minor">
+      <a:schemeClr val="tx1">
+        <a:lumMod val="65000"/>
+        <a:lumOff val="35000"/>
+      </a:schemeClr>
+    </cs:fontRef>
+    <cs:defRPr sz="1000" kern="1200"/>
+  </cs:axisTitle>
+  <cs:categoryAxis>
+    <cs:lnRef idx="0"/>
+    <cs:fillRef idx="0"/>
+    <cs:effectRef idx="0"/>
+    <cs:fontRef idx="minor">
+      <a:schemeClr val="tx1">
+        <a:lumMod val="65000"/>
+        <a:lumOff val="35000"/>
+      </a:schemeClr>
+    </cs:fontRef>
+    <cs:spPr>
+      <a:ln w="9525" cap="flat" cmpd="sng" algn="ctr">
+        <a:solidFill>
+          <a:schemeClr val="tx1">
+            <a:lumMod val="25000"/>
+            <a:lumOff val="75000"/>
+          </a:schemeClr>
+        </a:solidFill>
+        <a:round/>
+      </a:ln>
+    </cs:spPr>
+    <cs:defRPr sz="900" kern="1200"/>
+  </cs:categoryAxis>
+  <cs:chartArea mods="allowNoFillOverride allowNoLineOverride">
+    <cs:lnRef idx="0"/>
+    <cs:fillRef idx="0"/>
+    <cs:effectRef idx="0"/>
+    <cs:fontRef idx="minor">
+      <a:schemeClr val="tx1"/>
+    </cs:fontRef>
+    <cs:spPr>
+      <a:solidFill>
+        <a:schemeClr val="bg1"/>
+      </a:solidFill>
+      <a:ln w="9525" cap="flat" cmpd="sng" algn="ctr">
+        <a:solidFill>
+          <a:schemeClr val="tx1">
+            <a:lumMod val="15000"/>
+            <a:lumOff val="85000"/>
+          </a:schemeClr>
+        </a:solidFill>
+        <a:round/>
+      </a:ln>
+    </cs:spPr>
+    <cs:defRPr sz="1000" kern="1200"/>
+  </cs:chartArea>
+  <cs:dataLabel>
+    <cs:lnRef idx="0"/>
+    <cs:fillRef idx="0"/>
+    <cs:effectRef idx="0"/>
+    <cs:fontRef idx="minor">
+      <a:schemeClr val="tx1">
+        <a:lumMod val="75000"/>
+        <a:lumOff val="25000"/>
+      </a:schemeClr>
+    </cs:fontRef>
+    <cs:defRPr sz="900" kern="1200"/>
+  </cs:dataLabel>
+  <cs:dataLabelCallout>
+    <cs:lnRef idx="0"/>
+    <cs:fillRef idx="0"/>
+    <cs:effectRef idx="0"/>
+    <cs:fontRef idx="minor">
+      <a:schemeClr val="dk1">
+        <a:lumMod val="65000"/>
+        <a:lumOff val="35000"/>
+      </a:schemeClr>
+    </cs:fontRef>
+    <cs:spPr>
+      <a:solidFill>
+        <a:schemeClr val="lt1"/>
+      </a:solidFill>
+      <a:ln>
+        <a:solidFill>
+          <a:schemeClr val="dk1">
+            <a:lumMod val="25000"/>
+            <a:lumOff val="75000"/>
+          </a:schemeClr>
+        </a:solidFill>
+      </a:ln>
+    </cs:spPr>
+    <cs:defRPr sz="900" kern="1200"/>
+    <cs:bodyPr rot="0" spcFirstLastPara="1" vertOverflow="clip" horzOverflow="clip" vert="horz" wrap="square" lIns="36576" tIns="18288" rIns="36576" bIns="18288" anchor="ctr" anchorCtr="1">
+      <a:spAutoFit/>
+    </cs:bodyPr>
+  </cs:dataLabelCallout>
+  <cs:dataPoint>
+    <cs:lnRef idx="0"/>
+    <cs:fillRef idx="1">
+      <cs:styleClr val="auto"/>
+    </cs:fillRef>
+    <cs:effectRef idx="0"/>
+    <cs:fontRef idx="minor">
+      <a:schemeClr val="tx1"/>
+    </cs:fontRef>
+  </cs:dataPoint>
+  <cs:dataPoint3D>
+    <cs:lnRef idx="0"/>
+    <cs:fillRef idx="1">
+      <cs:styleClr val="auto"/>
+    </cs:fillRef>
+    <cs:effectRef idx="0"/>
+    <cs:fontRef idx="minor">
+      <a:schemeClr val="tx1"/>
+    </cs:fontRef>
+  </cs:dataPoint3D>
+  <cs:dataPointLine>
+    <cs:lnRef idx="0">
+      <cs:styleClr val="auto"/>
+    </cs:lnRef>
+    <cs:fillRef idx="1"/>
+    <cs:effectRef idx="0"/>
+    <cs:fontRef idx="minor">
+      <a:schemeClr val="tx1"/>
+    </cs:fontRef>
+    <cs:spPr>
+      <a:ln w="19050" cap="rnd">
+        <a:solidFill>
+          <a:schemeClr val="phClr"/>
+        </a:solidFill>
+        <a:round/>
+      </a:ln>
+    </cs:spPr>
+  </cs:dataPointLine>
+  <cs:dataPointMarker>
+    <cs:lnRef idx="0">
+      <cs:styleClr val="auto"/>
+    </cs:lnRef>
+    <cs:fillRef idx="1">
+      <cs:styleClr val="auto"/>
+    </cs:fillRef>
+    <cs:effectRef idx="0"/>
+    <cs:fontRef idx="minor">
+      <a:schemeClr val="tx1"/>
+    </cs:fontRef>
+    <cs:spPr>
+      <a:ln w="9525">
+        <a:solidFill>
+          <a:schemeClr val="phClr"/>
+        </a:solidFill>
+      </a:ln>
+    </cs:spPr>
+  </cs:dataPointMarker>
+  <cs:dataPointMarkerLayout symbol="circle" size="5"/>
+  <cs:dataPointWireframe>
+    <cs:lnRef idx="0">
+      <cs:styleClr val="auto"/>
+    </cs:lnRef>
+    <cs:fillRef idx="0"/>
+    <cs:effectRef idx="0"/>
+    <cs:fontRef idx="minor">
+      <a:schemeClr val="dk1"/>
+    </cs:fontRef>
+    <cs:spPr>
+      <a:ln w="9525" cap="rnd">
+        <a:solidFill>
+          <a:schemeClr val="phClr"/>
+        </a:solidFill>
+        <a:round/>
+      </a:ln>
+    </cs:spPr>
+  </cs:dataPointWireframe>
+  <cs:dataTable>
+    <cs:lnRef idx="0"/>
+    <cs:fillRef idx="0"/>
+    <cs:effectRef idx="0"/>
+    <cs:fontRef idx="minor">
+      <a:schemeClr val="tx1">
+        <a:lumMod val="65000"/>
+        <a:lumOff val="35000"/>
+      </a:schemeClr>
+    </cs:fontRef>
+    <cs:spPr>
+      <a:noFill/>
+      <a:ln w="9525" cap="flat" cmpd="sng" algn="ctr">
+        <a:solidFill>
+          <a:schemeClr val="tx1">
+            <a:lumMod val="15000"/>
+            <a:lumOff val="85000"/>
+          </a:schemeClr>
+        </a:solidFill>
+        <a:round/>
+      </a:ln>
+    </cs:spPr>
+    <cs:defRPr sz="900" kern="1200"/>
+  </cs:dataTable>
+  <cs:downBar>
+    <cs:lnRef idx="0"/>
+    <cs:fillRef idx="0"/>
+    <cs:effectRef idx="0"/>
+    <cs:fontRef idx="minor">
+      <a:schemeClr val="tx1"/>
+    </cs:fontRef>
+    <cs:spPr>
+      <a:solidFill>
+        <a:schemeClr val="dk1">
+          <a:lumMod val="75000"/>
+          <a:lumOff val="25000"/>
+        </a:schemeClr>
+      </a:solidFill>
+      <a:ln w="9525" cap="flat" cmpd="sng" algn="ctr">
+        <a:solidFill>
+          <a:schemeClr val="tx1">
+            <a:lumMod val="65000"/>
+            <a:lumOff val="35000"/>
+          </a:schemeClr>
+        </a:solidFill>
+        <a:round/>
+      </a:ln>
+    </cs:spPr>
+  </cs:downBar>
+  <cs:dropLine>
+    <cs:lnRef idx="0"/>
+    <cs:fillRef idx="0"/>
+    <cs:effectRef idx="0"/>
+    <cs:fontRef idx="minor">
+      <a:schemeClr val="tx1"/>
+    </cs:fontRef>
+    <cs:spPr>
+      <a:ln w="9525" cap="flat" cmpd="sng" algn="ctr">
+        <a:solidFill>
+          <a:schemeClr val="tx1">
+            <a:lumMod val="35000"/>
+            <a:lumOff val="65000"/>
+          </a:schemeClr>
+        </a:solidFill>
+        <a:round/>
+      </a:ln>
+    </cs:spPr>
+  </cs:dropLine>
+  <cs:errorBar>
+    <cs:lnRef idx="0"/>
+    <cs:fillRef idx="0"/>
+    <cs:effectRef idx="0"/>
+    <cs:fontRef idx="minor">
+      <a:schemeClr val="tx1"/>
+    </cs:fontRef>
+    <cs:spPr>
+      <a:ln w="9525" cap="flat" cmpd="sng" algn="ctr">
+        <a:solidFill>
+          <a:schemeClr val="tx1">
+            <a:lumMod val="65000"/>
+            <a:lumOff val="35000"/>
+          </a:schemeClr>
+        </a:solidFill>
+        <a:round/>
+      </a:ln>
+    </cs:spPr>
+  </cs:errorBar>
+  <cs:floor>
+    <cs:lnRef idx="0"/>
+    <cs:fillRef idx="0"/>
+    <cs:effectRef idx="0"/>
+    <cs:fontRef idx="minor">
+      <a:schemeClr val="tx1"/>
+    </cs:fontRef>
+    <cs:spPr>
+      <a:noFill/>
+      <a:ln>
+        <a:noFill/>
+      </a:ln>
+    </cs:spPr>
+  </cs:floor>
+  <cs:gridlineMajor>
+    <cs:lnRef idx="0"/>
+    <cs:fillRef idx="0"/>
+    <cs:effectRef idx="0"/>
+    <cs:fontRef idx="minor">
+      <a:schemeClr val="tx1"/>
+    </cs:fontRef>
+    <cs:spPr>
+      <a:ln w="9525" cap="flat" cmpd="sng" algn="ctr">
+        <a:solidFill>
+          <a:schemeClr val="tx1">
+            <a:lumMod val="15000"/>
+            <a:lumOff val="85000"/>
+          </a:schemeClr>
+        </a:solidFill>
+        <a:round/>
+      </a:ln>
+    </cs:spPr>
+  </cs:gridlineMajor>
+  <cs:gridlineMinor>
+    <cs:lnRef idx="0"/>
+    <cs:fillRef idx="0"/>
+    <cs:effectRef idx="0"/>
+    <cs:fontRef idx="minor">
+      <a:schemeClr val="tx1"/>
+    </cs:fontRef>
+    <cs:spPr>
+      <a:ln w="9525" cap="flat" cmpd="sng" algn="ctr">
+        <a:solidFill>
+          <a:schemeClr val="tx1">
+            <a:lumMod val="5000"/>
+            <a:lumOff val="95000"/>
+          </a:schemeClr>
+        </a:solidFill>
+        <a:round/>
+      </a:ln>
+    </cs:spPr>
+  </cs:gridlineMinor>
+  <cs:hiLoLine>
+    <cs:lnRef idx="0"/>
+    <cs:fillRef idx="0"/>
+    <cs:effectRef idx="0"/>
+    <cs:fontRef idx="minor">
+      <a:schemeClr val="tx1"/>
+    </cs:fontRef>
+    <cs:spPr>
+      <a:ln w="9525" cap="flat" cmpd="sng" algn="ctr">
+        <a:solidFill>
+          <a:schemeClr val="tx1">
+            <a:lumMod val="50000"/>
+            <a:lumOff val="50000"/>
+          </a:schemeClr>
+        </a:solidFill>
+        <a:round/>
+      </a:ln>
+    </cs:spPr>
+  </cs:hiLoLine>
+  <cs:leaderLine>
+    <cs:lnRef idx="0"/>
+    <cs:fillRef idx="0"/>
+    <cs:effectRef idx="0"/>
+    <cs:fontRef idx="minor">
+      <a:schemeClr val="tx1"/>
+    </cs:fontRef>
+    <cs:spPr>
+      <a:ln w="9525" cap="flat" cmpd="sng" algn="ctr">
+        <a:solidFill>
+          <a:schemeClr val="tx1">
+            <a:lumMod val="35000"/>
+            <a:lumOff val="65000"/>
+          </a:schemeClr>
+        </a:solidFill>
+        <a:round/>
+      </a:ln>
+    </cs:spPr>
+  </cs:leaderLine>
+  <cs:legend>
+    <cs:lnRef idx="0"/>
+    <cs:fillRef idx="0"/>
+    <cs:effectRef idx="0"/>
+    <cs:fontRef idx="minor">
+      <a:schemeClr val="tx1">
+        <a:lumMod val="65000"/>
+        <a:lumOff val="35000"/>
+      </a:schemeClr>
+    </cs:fontRef>
+    <cs:defRPr sz="900" kern="1200"/>
+  </cs:legend>
+  <cs:plotArea mods="allowNoFillOverride allowNoLineOverride">
+    <cs:lnRef idx="0"/>
+    <cs:fillRef idx="0"/>
+    <cs:effectRef idx="0"/>
+    <cs:fontRef idx="minor">
+      <a:schemeClr val="tx1"/>
+    </cs:fontRef>
+  </cs:plotArea>
+  <cs:plotArea3D mods="allowNoFillOverride allowNoLineOverride">
+    <cs:lnRef idx="0"/>
+    <cs:fillRef idx="0"/>
+    <cs:effectRef idx="0"/>
+    <cs:fontRef idx="minor">
+      <a:schemeClr val="tx1"/>
+    </cs:fontRef>
+  </cs:plotArea3D>
+  <cs:seriesAxis>
+    <cs:lnRef idx="0"/>
+    <cs:fillRef idx="0"/>
+    <cs:effectRef idx="0"/>
+    <cs:fontRef idx="minor">
+      <a:schemeClr val="tx1">
+        <a:lumMod val="65000"/>
+        <a:lumOff val="35000"/>
+      </a:schemeClr>
+    </cs:fontRef>
+    <cs:defRPr sz="900" kern="1200"/>
+  </cs:seriesAxis>
+  <cs:seriesLine>
+    <cs:lnRef idx="0"/>
+    <cs:fillRef idx="0"/>
+    <cs:effectRef idx="0"/>
+    <cs:fontRef idx="minor">
+      <a:schemeClr val="tx1"/>
+    </cs:fontRef>
+    <cs:spPr>
+      <a:ln w="9525" cap="flat" cmpd="sng" algn="ctr">
+        <a:solidFill>
+          <a:schemeClr val="tx1">
+            <a:lumMod val="35000"/>
+            <a:lumOff val="65000"/>
+          </a:schemeClr>
+        </a:solidFill>
+        <a:round/>
+      </a:ln>
+    </cs:spPr>
+  </cs:seriesLine>
+  <cs:title>
+    <cs:lnRef idx="0"/>
+    <cs:fillRef idx="0"/>
+    <cs:effectRef idx="0"/>
+    <cs:fontRef idx="minor">
+      <a:schemeClr val="tx1">
+        <a:lumMod val="65000"/>
+        <a:lumOff val="35000"/>
+      </a:schemeClr>
+    </cs:fontRef>
+    <cs:defRPr sz="1400" b="0" kern="1200" spc="0" baseline="0"/>
+  </cs:title>
+  <cs:trendline>
+    <cs:lnRef idx="0">
+      <cs:styleClr val="auto"/>
+    </cs:lnRef>
+    <cs:fillRef idx="0"/>
+    <cs:effectRef idx="0"/>
+    <cs:fontRef idx="minor">
+      <a:schemeClr val="tx1"/>
+    </cs:fontRef>
+    <cs:spPr>
+      <a:ln w="19050" cap="rnd">
+        <a:solidFill>
+          <a:schemeClr val="phClr"/>
+        </a:solidFill>
+        <a:prstDash val="sysDot"/>
+      </a:ln>
+    </cs:spPr>
+  </cs:trendline>
+  <cs:trendlineLabel>
+    <cs:lnRef idx="0"/>
+    <cs:fillRef idx="0"/>
+    <cs:effectRef idx="0"/>
+    <cs:fontRef idx="minor">
+      <a:schemeClr val="tx1">
+        <a:lumMod val="65000"/>
+        <a:lumOff val="35000"/>
+      </a:schemeClr>
+    </cs:fontRef>
+    <cs:defRPr sz="900" kern="1200"/>
+  </cs:trendlineLabel>
+  <cs:upBar>
+    <cs:lnRef idx="0"/>
+    <cs:fillRef idx="0"/>
+    <cs:effectRef idx="0"/>
+    <cs:fontRef idx="minor">
+      <a:schemeClr val="tx1"/>
+    </cs:fontRef>
+    <cs:spPr>
+      <a:solidFill>
+        <a:schemeClr val="lt1"/>
+      </a:solidFill>
+      <a:ln w="9525" cap="flat" cmpd="sng" algn="ctr">
+        <a:solidFill>
+          <a:schemeClr val="tx1">
+            <a:lumMod val="65000"/>
+            <a:lumOff val="35000"/>
+          </a:schemeClr>
+        </a:solidFill>
+        <a:round/>
+      </a:ln>
+    </cs:spPr>
+  </cs:upBar>
+  <cs:valueAxis>
+    <cs:lnRef idx="0"/>
+    <cs:fillRef idx="0"/>
+    <cs:effectRef idx="0"/>
+    <cs:fontRef idx="minor">
+      <a:schemeClr val="tx1">
+        <a:lumMod val="65000"/>
+        <a:lumOff val="35000"/>
+      </a:schemeClr>
+    </cs:fontRef>
+    <cs:spPr>
+      <a:ln w="9525" cap="flat" cmpd="sng" algn="ctr">
+        <a:solidFill>
+          <a:schemeClr val="tx1">
+            <a:lumMod val="25000"/>
+            <a:lumOff val="75000"/>
+          </a:schemeClr>
+        </a:solidFill>
+        <a:round/>
+      </a:ln>
+    </cs:spPr>
+    <cs:defRPr sz="900" kern="1200"/>
+  </cs:valueAxis>
+  <cs:wall>
+    <cs:lnRef idx="0"/>
+    <cs:fillRef idx="0"/>
+    <cs:effectRef idx="0"/>
+    <cs:fontRef idx="minor">
+      <a:schemeClr val="tx1"/>
+    </cs:fontRef>
+    <cs:spPr>
+      <a:noFill/>
+      <a:ln>
+        <a:noFill/>
+      </a:ln>
+    </cs:spPr>
+  </cs:wall>
+</cs:chartStyle>
+</file>
+
 <file path=ppt/notesMasters/notesMaster1.xml><?xml version="1.0" encoding="utf-8"?>
 <p:notesMaster xmlns:a="http://schemas.openxmlformats.org/drawingml/2006/main" xmlns:r="http://schemas.openxmlformats.org/officeDocument/2006/relationships" xmlns:p="http://schemas.openxmlformats.org/presentationml/2006/main">
   <p:cSld>
@@ -381,7 +2319,7 @@
           <a:p>
             <a:fld id="{CD15AFD9-35F1-4A8D-8AD3-EDB948176196}" type="slidenum">
               <a:rPr lang="en-US" smtClean="0"/>
-              <a:t>‹nr.›</a:t>
+              <a:t>‹#›</a:t>
             </a:fld>
             <a:endParaRPr lang="en-US"/>
           </a:p>
@@ -807,7 +2745,7 @@
           <a:p>
             <a:fld id="{09D57CD0-55F5-4017-8E2F-F1A5FF8435B8}" type="slidenum">
               <a:rPr lang="en-US" smtClean="0"/>
-              <a:t>‹nr.›</a:t>
+              <a:t>‹#›</a:t>
             </a:fld>
             <a:endParaRPr lang="en-US"/>
           </a:p>
@@ -1006,7 +2944,7 @@
           <a:p>
             <a:fld id="{09D57CD0-55F5-4017-8E2F-F1A5FF8435B8}" type="slidenum">
               <a:rPr lang="en-US" smtClean="0"/>
-              <a:t>‹nr.›</a:t>
+              <a:t>‹#›</a:t>
             </a:fld>
             <a:endParaRPr lang="en-US"/>
           </a:p>
@@ -1195,7 +3133,7 @@
           <a:p>
             <a:fld id="{09D57CD0-55F5-4017-8E2F-F1A5FF8435B8}" type="slidenum">
               <a:rPr lang="en-US" smtClean="0"/>
-              <a:t>‹nr.›</a:t>
+              <a:t>‹#›</a:t>
             </a:fld>
             <a:endParaRPr lang="en-US"/>
           </a:p>
@@ -1459,7 +3397,7 @@
           <a:p>
             <a:fld id="{09D57CD0-55F5-4017-8E2F-F1A5FF8435B8}" type="slidenum">
               <a:rPr lang="en-US" smtClean="0"/>
-              <a:t>‹nr.›</a:t>
+              <a:t>‹#›</a:t>
             </a:fld>
             <a:endParaRPr lang="en-US"/>
           </a:p>
@@ -1767,7 +3705,7 @@
           <a:p>
             <a:fld id="{09D57CD0-55F5-4017-8E2F-F1A5FF8435B8}" type="slidenum">
               <a:rPr lang="en-US" smtClean="0"/>
-              <a:t>‹nr.›</a:t>
+              <a:t>‹#›</a:t>
             </a:fld>
             <a:endParaRPr lang="en-US"/>
           </a:p>
@@ -2219,7 +4157,7 @@
           <a:p>
             <a:fld id="{09D57CD0-55F5-4017-8E2F-F1A5FF8435B8}" type="slidenum">
               <a:rPr lang="en-US" smtClean="0"/>
-              <a:t>‹nr.›</a:t>
+              <a:t>‹#›</a:t>
             </a:fld>
             <a:endParaRPr lang="en-US"/>
           </a:p>
@@ -2353,7 +4291,7 @@
           <a:p>
             <a:fld id="{09D57CD0-55F5-4017-8E2F-F1A5FF8435B8}" type="slidenum">
               <a:rPr lang="en-US" smtClean="0"/>
-              <a:t>‹nr.›</a:t>
+              <a:t>‹#›</a:t>
             </a:fld>
             <a:endParaRPr lang="en-US"/>
           </a:p>
@@ -2461,7 +4399,7 @@
           <a:p>
             <a:fld id="{09D57CD0-55F5-4017-8E2F-F1A5FF8435B8}" type="slidenum">
               <a:rPr lang="en-US" smtClean="0"/>
-              <a:t>‹nr.›</a:t>
+              <a:t>‹#›</a:t>
             </a:fld>
             <a:endParaRPr lang="en-US"/>
           </a:p>
@@ -2758,7 +4696,7 @@
           <a:p>
             <a:fld id="{09D57CD0-55F5-4017-8E2F-F1A5FF8435B8}" type="slidenum">
               <a:rPr lang="en-US" smtClean="0"/>
-              <a:t>‹nr.›</a:t>
+              <a:t>‹#›</a:t>
             </a:fld>
             <a:endParaRPr lang="en-US"/>
           </a:p>
@@ -3032,7 +4970,7 @@
           <a:p>
             <a:fld id="{09D57CD0-55F5-4017-8E2F-F1A5FF8435B8}" type="slidenum">
               <a:rPr lang="en-US" smtClean="0"/>
-              <a:t>‹nr.›</a:t>
+              <a:t>‹#›</a:t>
             </a:fld>
             <a:endParaRPr lang="en-US"/>
           </a:p>
@@ -3297,7 +5235,7 @@
           <a:p>
             <a:fld id="{09D57CD0-55F5-4017-8E2F-F1A5FF8435B8}" type="slidenum">
               <a:rPr lang="en-US" smtClean="0"/>
-              <a:t>‹nr.›</a:t>
+              <a:t>‹#›</a:t>
             </a:fld>
             <a:endParaRPr lang="en-US"/>
           </a:p>
@@ -3735,7 +5673,7 @@
           <p:cNvPr id="1028" name="Picture 4" descr="Image result for white city background">
             <a:extLst>
               <a:ext uri="{FF2B5EF4-FFF2-40B4-BE49-F238E27FC236}">
-                <a16:creationId xmlns:a16="http://schemas.microsoft.com/office/drawing/2014/main" id="{97D5254D-F4A1-46DF-8C69-3439A30B5148}"/>
+                <a16:creationId xmlns:a16="http://schemas.microsoft.com/office/drawing/2014/main" xmlns="" id="{97D5254D-F4A1-46DF-8C69-3439A30B5148}"/>
               </a:ext>
             </a:extLst>
           </p:cNvPr>
@@ -3759,7 +5697,7 @@
         </p:blipFill>
         <p:spPr bwMode="auto">
           <a:xfrm>
-            <a:off x="-48133" y="4899854"/>
+            <a:off x="1125241" y="4899854"/>
             <a:ext cx="43939333" cy="36454980"/>
           </a:xfrm>
           <a:prstGeom prst="rect">
@@ -3782,7 +5720,7 @@
           <p:cNvPr id="63" name="Rechthoek: afgeronde hoeken 62">
             <a:extLst>
               <a:ext uri="{FF2B5EF4-FFF2-40B4-BE49-F238E27FC236}">
-                <a16:creationId xmlns:a16="http://schemas.microsoft.com/office/drawing/2014/main" id="{70739A5B-E07B-46C6-B826-E250AB159A51}"/>
+                <a16:creationId xmlns:a16="http://schemas.microsoft.com/office/drawing/2014/main" xmlns="" id="{70739A5B-E07B-46C6-B826-E250AB159A51}"/>
               </a:ext>
             </a:extLst>
           </p:cNvPr>
@@ -3840,7 +5778,7 @@
           <p:cNvPr id="55" name="Rechthoek: afgeronde hoeken 54">
             <a:extLst>
               <a:ext uri="{FF2B5EF4-FFF2-40B4-BE49-F238E27FC236}">
-                <a16:creationId xmlns:a16="http://schemas.microsoft.com/office/drawing/2014/main" id="{1717EF3A-6E54-493E-8967-25F077456EA8}"/>
+                <a16:creationId xmlns:a16="http://schemas.microsoft.com/office/drawing/2014/main" xmlns="" id="{1717EF3A-6E54-493E-8967-25F077456EA8}"/>
               </a:ext>
             </a:extLst>
           </p:cNvPr>
@@ -3898,7 +5836,7 @@
           <p:cNvPr id="53" name="Rechthoek: afgeronde hoeken 52">
             <a:extLst>
               <a:ext uri="{FF2B5EF4-FFF2-40B4-BE49-F238E27FC236}">
-                <a16:creationId xmlns:a16="http://schemas.microsoft.com/office/drawing/2014/main" id="{2DB16F3E-DD85-4726-BF82-C20FA3037701}"/>
+                <a16:creationId xmlns:a16="http://schemas.microsoft.com/office/drawing/2014/main" xmlns="" id="{2DB16F3E-DD85-4726-BF82-C20FA3037701}"/>
               </a:ext>
             </a:extLst>
           </p:cNvPr>
@@ -3908,7 +5846,7 @@
         <p:spPr>
           <a:xfrm>
             <a:off x="15767713" y="6059087"/>
-            <a:ext cx="12307640" cy="15551889"/>
+            <a:ext cx="12307640" cy="16143259"/>
           </a:xfrm>
           <a:prstGeom prst="roundRect">
             <a:avLst/>
@@ -3956,7 +5894,7 @@
           <p:cNvPr id="18" name="Rechthoek: afgeronde hoeken 17">
             <a:extLst>
               <a:ext uri="{FF2B5EF4-FFF2-40B4-BE49-F238E27FC236}">
-                <a16:creationId xmlns:a16="http://schemas.microsoft.com/office/drawing/2014/main" id="{DBB1BB91-B45F-4871-B59E-EB222EA99D71}"/>
+                <a16:creationId xmlns:a16="http://schemas.microsoft.com/office/drawing/2014/main" xmlns="" id="{DBB1BB91-B45F-4871-B59E-EB222EA99D71}"/>
               </a:ext>
             </a:extLst>
           </p:cNvPr>
@@ -4014,7 +5952,7 @@
           <p:cNvPr id="16" name="Rechthoek: afgeronde hoeken 15">
             <a:extLst>
               <a:ext uri="{FF2B5EF4-FFF2-40B4-BE49-F238E27FC236}">
-                <a16:creationId xmlns:a16="http://schemas.microsoft.com/office/drawing/2014/main" id="{DB2486F2-3632-4D12-B75A-9F64EAACE0DF}"/>
+                <a16:creationId xmlns:a16="http://schemas.microsoft.com/office/drawing/2014/main" xmlns="" id="{DB2486F2-3632-4D12-B75A-9F64EAACE0DF}"/>
               </a:ext>
             </a:extLst>
           </p:cNvPr>
@@ -4450,8 +6388,11 @@
               <a:rPr lang="en-US" sz="3600" dirty="0">
                 <a:latin typeface="Arial Black" pitchFamily="34" charset="0"/>
               </a:rPr>
-              <a:t>Components</a:t>
-            </a:r>
+              <a:t>Experiment + result</a:t>
+            </a:r>
+            <a:endParaRPr lang="en-US" sz="3600" dirty="0">
+              <a:latin typeface="Arial Black" pitchFamily="34" charset="0"/>
+            </a:endParaRPr>
           </a:p>
         </p:txBody>
       </p:sp>
@@ -4518,7 +6459,7 @@
         </p:nvSpPr>
         <p:spPr>
           <a:xfrm>
-            <a:off x="2410701" y="7472684"/>
+            <a:off x="2478954" y="7541134"/>
             <a:ext cx="10573380" cy="6494085"/>
           </a:xfrm>
           <a:prstGeom prst="rect">
@@ -4566,6 +6507,14 @@
               </a:rPr>
               <a:t>Making cars more intelligent. </a:t>
             </a:r>
+            <a:r>
+              <a:rPr lang="en-CA" sz="3200" spc="50" dirty="0">
+                <a:latin typeface="Tahoma" panose="020B0604030504040204" pitchFamily="34" charset="0"/>
+                <a:ea typeface="Tahoma" panose="020B0604030504040204" pitchFamily="34" charset="0"/>
+                <a:cs typeface="Tahoma" panose="020B0604030504040204" pitchFamily="34" charset="0"/>
+              </a:rPr>
+              <a:t/>
+            </a:r>
             <a:br>
               <a:rPr lang="en-CA" sz="3200" spc="50" dirty="0">
                 <a:latin typeface="Tahoma" panose="020B0604030504040204" pitchFamily="34" charset="0"/>
@@ -4637,210 +6586,12 @@
           </a:p>
         </p:txBody>
       </p:sp>
-      <p:sp>
-        <p:nvSpPr>
-          <p:cNvPr id="59" name="TextBox 58"/>
-          <p:cNvSpPr txBox="1"/>
-          <p:nvPr/>
-        </p:nvSpPr>
-        <p:spPr>
-          <a:xfrm>
-            <a:off x="16832062" y="7490123"/>
-            <a:ext cx="10227076" cy="6986528"/>
-          </a:xfrm>
-          <a:prstGeom prst="rect">
-            <a:avLst/>
-          </a:prstGeom>
-          <a:noFill/>
-        </p:spPr>
-        <p:txBody>
-          <a:bodyPr wrap="square" rtlCol="0">
-            <a:spAutoFit/>
-          </a:bodyPr>
-          <a:lstStyle>
-            <a:defPPr>
-              <a:defRPr kern="1200" smtId="4294967295"/>
-            </a:defPPr>
-          </a:lstStyle>
-          <a:p>
-            <a:endParaRPr lang="en-CA" sz="3200" dirty="0">
-              <a:latin typeface="Tahoma" panose="020B0604030504040204" pitchFamily="34" charset="0"/>
-              <a:ea typeface="Tahoma" panose="020B0604030504040204" pitchFamily="34" charset="0"/>
-              <a:cs typeface="Tahoma" panose="020B0604030504040204" pitchFamily="34" charset="0"/>
-            </a:endParaRPr>
-          </a:p>
-          <a:p>
-            <a:r>
-              <a:rPr lang="en-CA" sz="3200" dirty="0">
-                <a:latin typeface="Tahoma" panose="020B0604030504040204" pitchFamily="34" charset="0"/>
-                <a:ea typeface="Tahoma" panose="020B0604030504040204" pitchFamily="34" charset="0"/>
-                <a:cs typeface="Tahoma" panose="020B0604030504040204" pitchFamily="34" charset="0"/>
-              </a:rPr>
-              <a:t>1. Microcontroller: A </a:t>
-            </a:r>
-            <a:r>
-              <a:rPr lang="en-CA" sz="3200" dirty="0" err="1">
-                <a:latin typeface="Tahoma" panose="020B0604030504040204" pitchFamily="34" charset="0"/>
-                <a:ea typeface="Tahoma" panose="020B0604030504040204" pitchFamily="34" charset="0"/>
-                <a:cs typeface="Tahoma" panose="020B0604030504040204" pitchFamily="34" charset="0"/>
-              </a:rPr>
-              <a:t>NodeMCU</a:t>
-            </a:r>
-            <a:r>
-              <a:rPr lang="en-CA" sz="3200" dirty="0">
-                <a:latin typeface="Tahoma" panose="020B0604030504040204" pitchFamily="34" charset="0"/>
-                <a:ea typeface="Tahoma" panose="020B0604030504040204" pitchFamily="34" charset="0"/>
-                <a:cs typeface="Tahoma" panose="020B0604030504040204" pitchFamily="34" charset="0"/>
-              </a:rPr>
-              <a:t> with Built-in </a:t>
-            </a:r>
-            <a:r>
-              <a:rPr lang="en-CA" sz="3200" dirty="0" err="1">
-                <a:latin typeface="Tahoma" panose="020B0604030504040204" pitchFamily="34" charset="0"/>
-                <a:ea typeface="Tahoma" panose="020B0604030504040204" pitchFamily="34" charset="0"/>
-                <a:cs typeface="Tahoma" panose="020B0604030504040204" pitchFamily="34" charset="0"/>
-              </a:rPr>
-              <a:t>WiFi</a:t>
-            </a:r>
-            <a:r>
-              <a:rPr lang="en-CA" sz="3200" dirty="0">
-                <a:latin typeface="Tahoma" panose="020B0604030504040204" pitchFamily="34" charset="0"/>
-                <a:ea typeface="Tahoma" panose="020B0604030504040204" pitchFamily="34" charset="0"/>
-                <a:cs typeface="Tahoma" panose="020B0604030504040204" pitchFamily="34" charset="0"/>
-              </a:rPr>
-              <a:t>  </a:t>
-            </a:r>
-          </a:p>
-          <a:p>
-            <a:endParaRPr lang="en-CA" sz="3200" dirty="0">
-              <a:latin typeface="Tahoma" panose="020B0604030504040204" pitchFamily="34" charset="0"/>
-              <a:ea typeface="Tahoma" panose="020B0604030504040204" pitchFamily="34" charset="0"/>
-              <a:cs typeface="Tahoma" panose="020B0604030504040204" pitchFamily="34" charset="0"/>
-            </a:endParaRPr>
-          </a:p>
-          <a:p>
-            <a:r>
-              <a:rPr lang="en-CA" sz="3200" dirty="0">
-                <a:latin typeface="Tahoma" panose="020B0604030504040204" pitchFamily="34" charset="0"/>
-                <a:ea typeface="Tahoma" panose="020B0604030504040204" pitchFamily="34" charset="0"/>
-                <a:cs typeface="Tahoma" panose="020B0604030504040204" pitchFamily="34" charset="0"/>
-              </a:rPr>
-              <a:t>2. H-bridge to connect the power to the servo motor</a:t>
-            </a:r>
-          </a:p>
-          <a:p>
-            <a:endParaRPr lang="en-CA" sz="3200" dirty="0">
-              <a:latin typeface="Tahoma" panose="020B0604030504040204" pitchFamily="34" charset="0"/>
-              <a:ea typeface="Tahoma" panose="020B0604030504040204" pitchFamily="34" charset="0"/>
-              <a:cs typeface="Tahoma" panose="020B0604030504040204" pitchFamily="34" charset="0"/>
-            </a:endParaRPr>
-          </a:p>
-          <a:p>
-            <a:r>
-              <a:rPr lang="en-CA" sz="3200" dirty="0">
-                <a:latin typeface="Tahoma" panose="020B0604030504040204" pitchFamily="34" charset="0"/>
-                <a:ea typeface="Tahoma" panose="020B0604030504040204" pitchFamily="34" charset="0"/>
-                <a:cs typeface="Tahoma" panose="020B0604030504040204" pitchFamily="34" charset="0"/>
-              </a:rPr>
-              <a:t>3. 4-AA Battery holder to provide 6V of power</a:t>
-            </a:r>
-          </a:p>
-          <a:p>
-            <a:endParaRPr lang="en-CA" sz="3200" dirty="0">
-              <a:latin typeface="Tahoma" panose="020B0604030504040204" pitchFamily="34" charset="0"/>
-              <a:ea typeface="Tahoma" panose="020B0604030504040204" pitchFamily="34" charset="0"/>
-              <a:cs typeface="Tahoma" panose="020B0604030504040204" pitchFamily="34" charset="0"/>
-            </a:endParaRPr>
-          </a:p>
-          <a:p>
-            <a:r>
-              <a:rPr lang="pt-BR" sz="3200" dirty="0">
-                <a:latin typeface="Tahoma" panose="020B0604030504040204" pitchFamily="34" charset="0"/>
-                <a:ea typeface="Tahoma" panose="020B0604030504040204" pitchFamily="34" charset="0"/>
-                <a:cs typeface="Tahoma" panose="020B0604030504040204" pitchFamily="34" charset="0"/>
-              </a:rPr>
-              <a:t>4. HC-SR04 Ultrasonic sensor to measure the distance   </a:t>
-            </a:r>
-          </a:p>
-          <a:p>
-            <a:pPr marL="514350" indent="-514350">
-              <a:buFont typeface="+mj-lt"/>
-              <a:buAutoNum type="arabicPeriod"/>
-            </a:pPr>
-            <a:endParaRPr lang="pt-BR" sz="3200" dirty="0">
-              <a:latin typeface="Tahoma" panose="020B0604030504040204" pitchFamily="34" charset="0"/>
-              <a:ea typeface="Tahoma" panose="020B0604030504040204" pitchFamily="34" charset="0"/>
-              <a:cs typeface="Tahoma" panose="020B0604030504040204" pitchFamily="34" charset="0"/>
-            </a:endParaRPr>
-          </a:p>
-          <a:p>
-            <a:r>
-              <a:rPr lang="en-CA" sz="3200" dirty="0">
-                <a:latin typeface="Tahoma" panose="020B0604030504040204" pitchFamily="34" charset="0"/>
-                <a:ea typeface="Tahoma" panose="020B0604030504040204" pitchFamily="34" charset="0"/>
-                <a:cs typeface="Tahoma" panose="020B0604030504040204" pitchFamily="34" charset="0"/>
-              </a:rPr>
-              <a:t>5. Servo-motor to drive the wheels</a:t>
-            </a:r>
-          </a:p>
-          <a:p>
-            <a:endParaRPr lang="en-CA" sz="3200" dirty="0">
-              <a:latin typeface="Tahoma" panose="020B0604030504040204" pitchFamily="34" charset="0"/>
-              <a:ea typeface="Tahoma" panose="020B0604030504040204" pitchFamily="34" charset="0"/>
-              <a:cs typeface="Tahoma" panose="020B0604030504040204" pitchFamily="34" charset="0"/>
-            </a:endParaRPr>
-          </a:p>
-          <a:p>
-            <a:r>
-              <a:rPr lang="en-CA" sz="3200" dirty="0">
-                <a:latin typeface="Tahoma" panose="020B0604030504040204" pitchFamily="34" charset="0"/>
-                <a:ea typeface="Tahoma" panose="020B0604030504040204" pitchFamily="34" charset="0"/>
-                <a:cs typeface="Tahoma" panose="020B0604030504040204" pitchFamily="34" charset="0"/>
-              </a:rPr>
-              <a:t>6. Ubuntu server to communicate with the </a:t>
-            </a:r>
-            <a:r>
-              <a:rPr lang="en-CA" sz="3200" dirty="0" err="1">
-                <a:latin typeface="Tahoma" panose="020B0604030504040204" pitchFamily="34" charset="0"/>
-                <a:ea typeface="Tahoma" panose="020B0604030504040204" pitchFamily="34" charset="0"/>
-                <a:cs typeface="Tahoma" panose="020B0604030504040204" pitchFamily="34" charset="0"/>
-              </a:rPr>
-              <a:t>NodeMCU</a:t>
-            </a:r>
-            <a:endParaRPr lang="en-CA" sz="3200" dirty="0">
-              <a:latin typeface="Tahoma" panose="020B0604030504040204" pitchFamily="34" charset="0"/>
-              <a:ea typeface="Tahoma" panose="020B0604030504040204" pitchFamily="34" charset="0"/>
-              <a:cs typeface="Tahoma" panose="020B0604030504040204" pitchFamily="34" charset="0"/>
-            </a:endParaRPr>
-          </a:p>
-          <a:p>
-            <a:endParaRPr lang="en-CA" sz="3200" dirty="0">
-              <a:latin typeface="Tahoma" panose="020B0604030504040204" pitchFamily="34" charset="0"/>
-              <a:ea typeface="Tahoma" panose="020B0604030504040204" pitchFamily="34" charset="0"/>
-              <a:cs typeface="Tahoma" panose="020B0604030504040204" pitchFamily="34" charset="0"/>
-            </a:endParaRPr>
-          </a:p>
-          <a:p>
-            <a:endParaRPr lang="en-US" sz="3200" dirty="0">
-              <a:solidFill>
-                <a:schemeClr val="tx1">
-                  <a:lumMod val="65000"/>
-                  <a:lumOff val="35000"/>
-                </a:schemeClr>
-              </a:solidFill>
-              <a:latin typeface="Tahoma" panose="020B0604030504040204" pitchFamily="34" charset="0"/>
-              <a:ea typeface="Tahoma" panose="020B0604030504040204" pitchFamily="34" charset="0"/>
-              <a:cs typeface="Tahoma" panose="020B0604030504040204" pitchFamily="34" charset="0"/>
-            </a:endParaRPr>
-          </a:p>
-        </p:txBody>
-      </p:sp>
       <p:pic>
         <p:nvPicPr>
           <p:cNvPr id="1030" name="Picture 6" descr="Image result for car shape">
             <a:extLst>
               <a:ext uri="{FF2B5EF4-FFF2-40B4-BE49-F238E27FC236}">
-                <a16:creationId xmlns:a16="http://schemas.microsoft.com/office/drawing/2014/main" id="{5C41F2C3-6974-4929-950A-0378B9013CFF}"/>
+                <a16:creationId xmlns:a16="http://schemas.microsoft.com/office/drawing/2014/main" xmlns="" id="{5C41F2C3-6974-4929-950A-0378B9013CFF}"/>
               </a:ext>
             </a:extLst>
           </p:cNvPr>
@@ -4887,7 +6638,7 @@
           <p:cNvPr id="36" name="Picture 6" descr="Image result for car shape">
             <a:extLst>
               <a:ext uri="{FF2B5EF4-FFF2-40B4-BE49-F238E27FC236}">
-                <a16:creationId xmlns:a16="http://schemas.microsoft.com/office/drawing/2014/main" id="{8CE1CDC5-BB24-497D-9AF1-FBB0F1C19965}"/>
+                <a16:creationId xmlns:a16="http://schemas.microsoft.com/office/drawing/2014/main" xmlns="" id="{8CE1CDC5-BB24-497D-9AF1-FBB0F1C19965}"/>
               </a:ext>
             </a:extLst>
           </p:cNvPr>
@@ -4934,7 +6685,7 @@
           <p:cNvPr id="37" name="Picture 6" descr="Image result for car shape">
             <a:extLst>
               <a:ext uri="{FF2B5EF4-FFF2-40B4-BE49-F238E27FC236}">
-                <a16:creationId xmlns:a16="http://schemas.microsoft.com/office/drawing/2014/main" id="{558290AE-B66C-4F39-B0B7-6CCF1B9BE004}"/>
+                <a16:creationId xmlns:a16="http://schemas.microsoft.com/office/drawing/2014/main" xmlns="" id="{558290AE-B66C-4F39-B0B7-6CCF1B9BE004}"/>
               </a:ext>
             </a:extLst>
           </p:cNvPr>
@@ -4981,7 +6732,7 @@
           <p:cNvPr id="3" name="Rechte verbindingslijn 2">
             <a:extLst>
               <a:ext uri="{FF2B5EF4-FFF2-40B4-BE49-F238E27FC236}">
-                <a16:creationId xmlns:a16="http://schemas.microsoft.com/office/drawing/2014/main" id="{B3D9A07A-A6D2-4385-A9FB-B12DAF511C4A}"/>
+                <a16:creationId xmlns:a16="http://schemas.microsoft.com/office/drawing/2014/main" xmlns="" id="{B3D9A07A-A6D2-4385-A9FB-B12DAF511C4A}"/>
               </a:ext>
             </a:extLst>
           </p:cNvPr>
@@ -5017,7 +6768,7 @@
           <p:cNvPr id="42" name="Rechte verbindingslijn 41">
             <a:extLst>
               <a:ext uri="{FF2B5EF4-FFF2-40B4-BE49-F238E27FC236}">
-                <a16:creationId xmlns:a16="http://schemas.microsoft.com/office/drawing/2014/main" id="{20EF3AED-610C-455B-8EAA-81F8BA195BA3}"/>
+                <a16:creationId xmlns:a16="http://schemas.microsoft.com/office/drawing/2014/main" xmlns="" id="{20EF3AED-610C-455B-8EAA-81F8BA195BA3}"/>
               </a:ext>
             </a:extLst>
           </p:cNvPr>
@@ -5055,7 +6806,7 @@
           <p:cNvPr id="43" name="Rechte verbindingslijn 42">
             <a:extLst>
               <a:ext uri="{FF2B5EF4-FFF2-40B4-BE49-F238E27FC236}">
-                <a16:creationId xmlns:a16="http://schemas.microsoft.com/office/drawing/2014/main" id="{5CF79447-DFA9-417B-B23C-D74B3B4B1396}"/>
+                <a16:creationId xmlns:a16="http://schemas.microsoft.com/office/drawing/2014/main" xmlns="" id="{5CF79447-DFA9-417B-B23C-D74B3B4B1396}"/>
               </a:ext>
             </a:extLst>
           </p:cNvPr>
@@ -5093,7 +6844,7 @@
           <p:cNvPr id="44" name="Rechte verbindingslijn 43">
             <a:extLst>
               <a:ext uri="{FF2B5EF4-FFF2-40B4-BE49-F238E27FC236}">
-                <a16:creationId xmlns:a16="http://schemas.microsoft.com/office/drawing/2014/main" id="{56D7EAED-E360-43F3-97E9-612C465BE250}"/>
+                <a16:creationId xmlns:a16="http://schemas.microsoft.com/office/drawing/2014/main" xmlns="" id="{56D7EAED-E360-43F3-97E9-612C465BE250}"/>
               </a:ext>
             </a:extLst>
           </p:cNvPr>
@@ -5131,7 +6882,7 @@
           <p:cNvPr id="45" name="Rechte verbindingslijn 44">
             <a:extLst>
               <a:ext uri="{FF2B5EF4-FFF2-40B4-BE49-F238E27FC236}">
-                <a16:creationId xmlns:a16="http://schemas.microsoft.com/office/drawing/2014/main" id="{62A443CA-32E8-42E1-8327-E281B28E9244}"/>
+                <a16:creationId xmlns:a16="http://schemas.microsoft.com/office/drawing/2014/main" xmlns="" id="{62A443CA-32E8-42E1-8327-E281B28E9244}"/>
               </a:ext>
             </a:extLst>
           </p:cNvPr>
@@ -5169,7 +6920,7 @@
           <p:cNvPr id="46" name="Rechte verbindingslijn 45">
             <a:extLst>
               <a:ext uri="{FF2B5EF4-FFF2-40B4-BE49-F238E27FC236}">
-                <a16:creationId xmlns:a16="http://schemas.microsoft.com/office/drawing/2014/main" id="{0FDC091F-5CF1-4C36-9695-4AA28046782B}"/>
+                <a16:creationId xmlns:a16="http://schemas.microsoft.com/office/drawing/2014/main" xmlns="" id="{0FDC091F-5CF1-4C36-9695-4AA28046782B}"/>
               </a:ext>
             </a:extLst>
           </p:cNvPr>
@@ -5207,7 +6958,7 @@
           <p:cNvPr id="60" name="Rechte verbindingslijn 59">
             <a:extLst>
               <a:ext uri="{FF2B5EF4-FFF2-40B4-BE49-F238E27FC236}">
-                <a16:creationId xmlns:a16="http://schemas.microsoft.com/office/drawing/2014/main" id="{EFFB158B-1571-4321-BC3D-355D50B13022}"/>
+                <a16:creationId xmlns:a16="http://schemas.microsoft.com/office/drawing/2014/main" xmlns="" id="{EFFB158B-1571-4321-BC3D-355D50B13022}"/>
               </a:ext>
             </a:extLst>
           </p:cNvPr>
@@ -5245,7 +6996,7 @@
           <p:cNvPr id="61" name="Rechte verbindingslijn 60">
             <a:extLst>
               <a:ext uri="{FF2B5EF4-FFF2-40B4-BE49-F238E27FC236}">
-                <a16:creationId xmlns:a16="http://schemas.microsoft.com/office/drawing/2014/main" id="{6C36F9C5-007B-4817-AA5F-76CDAC4CB80B}"/>
+                <a16:creationId xmlns:a16="http://schemas.microsoft.com/office/drawing/2014/main" xmlns="" id="{6C36F9C5-007B-4817-AA5F-76CDAC4CB80B}"/>
               </a:ext>
             </a:extLst>
           </p:cNvPr>
@@ -5283,7 +7034,7 @@
           <p:cNvPr id="62" name="Rechte verbindingslijn 61">
             <a:extLst>
               <a:ext uri="{FF2B5EF4-FFF2-40B4-BE49-F238E27FC236}">
-                <a16:creationId xmlns:a16="http://schemas.microsoft.com/office/drawing/2014/main" id="{9837E690-9F0F-460D-A817-807DAC5D6F03}"/>
+                <a16:creationId xmlns:a16="http://schemas.microsoft.com/office/drawing/2014/main" xmlns="" id="{9837E690-9F0F-460D-A817-807DAC5D6F03}"/>
               </a:ext>
             </a:extLst>
           </p:cNvPr>
@@ -5321,7 +7072,7 @@
           <p:cNvPr id="1032" name="Picture 8" descr="Image result for UAntwerpen">
             <a:extLst>
               <a:ext uri="{FF2B5EF4-FFF2-40B4-BE49-F238E27FC236}">
-                <a16:creationId xmlns:a16="http://schemas.microsoft.com/office/drawing/2014/main" id="{A24D6F1B-89F0-4271-A4E9-340D55F9B616}"/>
+                <a16:creationId xmlns:a16="http://schemas.microsoft.com/office/drawing/2014/main" xmlns="" id="{A24D6F1B-89F0-4271-A4E9-340D55F9B616}"/>
               </a:ext>
             </a:extLst>
           </p:cNvPr>
@@ -5368,7 +7119,7 @@
           <p:cNvPr id="19" name="Rechthoek 18">
             <a:extLst>
               <a:ext uri="{FF2B5EF4-FFF2-40B4-BE49-F238E27FC236}">
-                <a16:creationId xmlns:a16="http://schemas.microsoft.com/office/drawing/2014/main" id="{D7EFB308-85E5-46BC-9BD6-AF347E11831E}"/>
+                <a16:creationId xmlns:a16="http://schemas.microsoft.com/office/drawing/2014/main" xmlns="" id="{D7EFB308-85E5-46BC-9BD6-AF347E11831E}"/>
               </a:ext>
             </a:extLst>
           </p:cNvPr>
@@ -5448,7 +7199,7 @@
           <p:cNvPr id="49" name="Rechthoek 48">
             <a:extLst>
               <a:ext uri="{FF2B5EF4-FFF2-40B4-BE49-F238E27FC236}">
-                <a16:creationId xmlns:a16="http://schemas.microsoft.com/office/drawing/2014/main" id="{FD4A6F95-2DC4-4D96-9D61-1F6E6599BEEF}"/>
+                <a16:creationId xmlns:a16="http://schemas.microsoft.com/office/drawing/2014/main" xmlns="" id="{FD4A6F95-2DC4-4D96-9D61-1F6E6599BEEF}"/>
               </a:ext>
             </a:extLst>
           </p:cNvPr>
@@ -5479,7 +7230,7 @@
           <p:cNvPr id="11" name="Tekstvak 10">
             <a:extLst>
               <a:ext uri="{FF2B5EF4-FFF2-40B4-BE49-F238E27FC236}">
-                <a16:creationId xmlns:a16="http://schemas.microsoft.com/office/drawing/2014/main" id="{5E730A17-AE46-4C66-8C61-23A4D6409144}"/>
+                <a16:creationId xmlns:a16="http://schemas.microsoft.com/office/drawing/2014/main" xmlns="" id="{5E730A17-AE46-4C66-8C61-23A4D6409144}"/>
               </a:ext>
             </a:extLst>
           </p:cNvPr>
@@ -5511,7 +7262,7 @@
           <p:cNvPr id="27" name="Afbeelding 26">
             <a:extLst>
               <a:ext uri="{FF2B5EF4-FFF2-40B4-BE49-F238E27FC236}">
-                <a16:creationId xmlns:a16="http://schemas.microsoft.com/office/drawing/2014/main" id="{5784D2FA-85AB-4084-8812-CF3E1FC43E76}"/>
+                <a16:creationId xmlns:a16="http://schemas.microsoft.com/office/drawing/2014/main" xmlns="" id="{5784D2FA-85AB-4084-8812-CF3E1FC43E76}"/>
               </a:ext>
             </a:extLst>
           </p:cNvPr>
@@ -5547,7 +7298,7 @@
           <p:cNvPr id="70" name="TextBox 58">
             <a:extLst>
               <a:ext uri="{FF2B5EF4-FFF2-40B4-BE49-F238E27FC236}">
-                <a16:creationId xmlns:a16="http://schemas.microsoft.com/office/drawing/2014/main" id="{9229AED6-90FC-41C1-ADF6-89063A4B8A0D}"/>
+                <a16:creationId xmlns:a16="http://schemas.microsoft.com/office/drawing/2014/main" xmlns="" id="{9229AED6-90FC-41C1-ADF6-89063A4B8A0D}"/>
               </a:ext>
             </a:extLst>
           </p:cNvPr>
@@ -5594,6 +7345,14 @@
             </a:r>
           </a:p>
           <a:p>
+            <a:r>
+              <a:rPr lang="en-CA" sz="3200" dirty="0">
+                <a:latin typeface="Tahoma" panose="020B0604030504040204" pitchFamily="34" charset="0"/>
+                <a:ea typeface="Tahoma" panose="020B0604030504040204" pitchFamily="34" charset="0"/>
+                <a:cs typeface="Tahoma" panose="020B0604030504040204" pitchFamily="34" charset="0"/>
+              </a:rPr>
+              <a:t/>
+            </a:r>
             <a:br>
               <a:rPr lang="en-CA" sz="3200" dirty="0">
                 <a:latin typeface="Tahoma" panose="020B0604030504040204" pitchFamily="34" charset="0"/>
@@ -5655,48 +7414,12 @@
           </a:p>
         </p:txBody>
       </p:sp>
-      <p:pic>
-        <p:nvPicPr>
-          <p:cNvPr id="47" name="Afbeelding 46">
-            <a:extLst>
-              <a:ext uri="{FF2B5EF4-FFF2-40B4-BE49-F238E27FC236}">
-                <a16:creationId xmlns:a16="http://schemas.microsoft.com/office/drawing/2014/main" id="{A484BF36-1E50-48C2-B4B4-197BDE0C1722}"/>
-              </a:ext>
-            </a:extLst>
-          </p:cNvPr>
-          <p:cNvPicPr>
-            <a:picLocks noChangeAspect="1"/>
-          </p:cNvPicPr>
-          <p:nvPr/>
-        </p:nvPicPr>
-        <p:blipFill>
-          <a:blip r:embed="rId6">
-            <a:extLst>
-              <a:ext uri="{28A0092B-C50C-407E-A947-70E740481C1C}">
-                <a14:useLocalDpi xmlns:a14="http://schemas.microsoft.com/office/drawing/2010/main" val="0"/>
-              </a:ext>
-            </a:extLst>
-          </a:blip>
-          <a:stretch>
-            <a:fillRect/>
-          </a:stretch>
-        </p:blipFill>
-        <p:spPr>
-          <a:xfrm>
-            <a:off x="16302754" y="13586661"/>
-            <a:ext cx="10915650" cy="7443629"/>
-          </a:xfrm>
-          <a:prstGeom prst="rect">
-            <a:avLst/>
-          </a:prstGeom>
-        </p:spPr>
-      </p:pic>
       <p:sp>
         <p:nvSpPr>
           <p:cNvPr id="48" name="Rechthoek: afgeronde hoeken 47">
             <a:extLst>
               <a:ext uri="{FF2B5EF4-FFF2-40B4-BE49-F238E27FC236}">
-                <a16:creationId xmlns:a16="http://schemas.microsoft.com/office/drawing/2014/main" id="{19AEDBF0-0C26-4704-92D6-6E83197D497B}"/>
+                <a16:creationId xmlns:a16="http://schemas.microsoft.com/office/drawing/2014/main" xmlns="" id="{19AEDBF0-0C26-4704-92D6-6E83197D497B}"/>
               </a:ext>
             </a:extLst>
           </p:cNvPr>
@@ -5705,7 +7428,7 @@
         </p:nvSpPr>
         <p:spPr>
           <a:xfrm>
-            <a:off x="30158156" y="5929071"/>
+            <a:off x="30158156" y="6059087"/>
             <a:ext cx="12240000" cy="14522670"/>
           </a:xfrm>
           <a:prstGeom prst="roundRect">
@@ -5754,7 +7477,7 @@
           <p:cNvPr id="57" name="TextBox 84">
             <a:extLst>
               <a:ext uri="{FF2B5EF4-FFF2-40B4-BE49-F238E27FC236}">
-                <a16:creationId xmlns:a16="http://schemas.microsoft.com/office/drawing/2014/main" id="{FFBEE8A8-EFCF-4BDA-ADCF-3197766A4A9A}"/>
+                <a16:creationId xmlns:a16="http://schemas.microsoft.com/office/drawing/2014/main" xmlns="" id="{FFBEE8A8-EFCF-4BDA-ADCF-3197766A4A9A}"/>
               </a:ext>
             </a:extLst>
           </p:cNvPr>
@@ -5785,11 +7508,14 @@
           </a:lstStyle>
           <a:p>
             <a:r>
-              <a:rPr lang="en-US" sz="3600" dirty="0">
+              <a:rPr lang="en-US" sz="3600" dirty="0" smtClean="0">
                 <a:latin typeface="Arial Black" pitchFamily="34" charset="0"/>
               </a:rPr>
-              <a:t>Experiment + result</a:t>
-            </a:r>
+              <a:t>Components</a:t>
+            </a:r>
+            <a:endParaRPr lang="en-US" sz="3600" dirty="0">
+              <a:latin typeface="Arial Black" pitchFamily="34" charset="0"/>
+            </a:endParaRPr>
           </a:p>
         </p:txBody>
       </p:sp>
@@ -5798,7 +7524,7 @@
           <p:cNvPr id="58" name="Rectangle 85">
             <a:extLst>
               <a:ext uri="{FF2B5EF4-FFF2-40B4-BE49-F238E27FC236}">
-                <a16:creationId xmlns:a16="http://schemas.microsoft.com/office/drawing/2014/main" id="{941D3E72-4BF6-4186-9A91-3D9251E6FE29}"/>
+                <a16:creationId xmlns:a16="http://schemas.microsoft.com/office/drawing/2014/main" xmlns="" id="{941D3E72-4BF6-4186-9A91-3D9251E6FE29}"/>
               </a:ext>
             </a:extLst>
           </p:cNvPr>
@@ -5859,7 +7585,7 @@
           <p:cNvPr id="64" name="TextBox 58">
             <a:extLst>
               <a:ext uri="{FF2B5EF4-FFF2-40B4-BE49-F238E27FC236}">
-                <a16:creationId xmlns:a16="http://schemas.microsoft.com/office/drawing/2014/main" id="{3139CEE1-EEBB-4190-8DC4-B9BB62C3D8D1}"/>
+                <a16:creationId xmlns:a16="http://schemas.microsoft.com/office/drawing/2014/main" xmlns="" id="{3139CEE1-EEBB-4190-8DC4-B9BB62C3D8D1}"/>
               </a:ext>
             </a:extLst>
           </p:cNvPr>
@@ -5868,8 +7594,8 @@
         </p:nvSpPr>
         <p:spPr>
           <a:xfrm>
-            <a:off x="31802366" y="7336738"/>
-            <a:ext cx="10356397" cy="14865608"/>
+            <a:off x="16864948" y="7135821"/>
+            <a:ext cx="10356397" cy="16342935"/>
           </a:xfrm>
           <a:prstGeom prst="rect">
             <a:avLst/>
@@ -5899,10 +7625,31 @@
                 <a:ea typeface="Tahoma" panose="020B0604030504040204" pitchFamily="34" charset="0"/>
                 <a:cs typeface="Tahoma" panose="020B0604030504040204" pitchFamily="34" charset="0"/>
               </a:rPr>
-              <a:t>An experiment was conducted to test the speed and braking distance of a car. </a:t>
-            </a:r>
-          </a:p>
-          <a:p>
+              <a:t>An experiment was conducted to test the speed and braking distance of a car</a:t>
+            </a:r>
+            <a:r>
+              <a:rPr lang="en-CA" sz="3200">
+                <a:latin typeface="Tahoma" panose="020B0604030504040204" pitchFamily="34" charset="0"/>
+                <a:ea typeface="Tahoma" panose="020B0604030504040204" pitchFamily="34" charset="0"/>
+                <a:cs typeface="Tahoma" panose="020B0604030504040204" pitchFamily="34" charset="0"/>
+              </a:rPr>
+              <a:t>. </a:t>
+            </a:r>
+            <a:endParaRPr lang="en-CA" sz="3200" smtClean="0">
+              <a:latin typeface="Tahoma" panose="020B0604030504040204" pitchFamily="34" charset="0"/>
+              <a:ea typeface="Tahoma" panose="020B0604030504040204" pitchFamily="34" charset="0"/>
+              <a:cs typeface="Tahoma" panose="020B0604030504040204" pitchFamily="34" charset="0"/>
+            </a:endParaRPr>
+          </a:p>
+          <a:p>
+            <a:r>
+              <a:rPr lang="en-CA" sz="3200" dirty="0">
+                <a:latin typeface="Tahoma" panose="020B0604030504040204" pitchFamily="34" charset="0"/>
+                <a:ea typeface="Tahoma" panose="020B0604030504040204" pitchFamily="34" charset="0"/>
+                <a:cs typeface="Tahoma" panose="020B0604030504040204" pitchFamily="34" charset="0"/>
+              </a:rPr>
+              <a:t/>
+            </a:r>
             <a:br>
               <a:rPr lang="en-CA" sz="3200" dirty="0">
                 <a:latin typeface="Tahoma" panose="020B0604030504040204" pitchFamily="34" charset="0"/>
@@ -5936,7 +7683,31 @@
                 <a:ea typeface="Tahoma" panose="020B0604030504040204" pitchFamily="34" charset="0"/>
                 <a:cs typeface="Tahoma" panose="020B0604030504040204" pitchFamily="34" charset="0"/>
               </a:rPr>
-              <a:t>Both the speed and the measured distance are sent to the server where the graph is plotted of the speed and PWM over time.</a:t>
+              <a:t>Both the speed and the measured distance are sent to the server where the graph is plotted of the speed </a:t>
+            </a:r>
+            <a:r>
+              <a:rPr lang="en-CA" sz="3200" dirty="0" smtClean="0">
+                <a:latin typeface="Tahoma" panose="020B0604030504040204" pitchFamily="34" charset="0"/>
+                <a:ea typeface="Tahoma" panose="020B0604030504040204" pitchFamily="34" charset="0"/>
+                <a:cs typeface="Tahoma" panose="020B0604030504040204" pitchFamily="34" charset="0"/>
+              </a:rPr>
+              <a:t>over </a:t>
+            </a:r>
+            <a:r>
+              <a:rPr lang="en-CA" sz="3200" dirty="0">
+                <a:latin typeface="Tahoma" panose="020B0604030504040204" pitchFamily="34" charset="0"/>
+                <a:ea typeface="Tahoma" panose="020B0604030504040204" pitchFamily="34" charset="0"/>
+                <a:cs typeface="Tahoma" panose="020B0604030504040204" pitchFamily="34" charset="0"/>
+              </a:rPr>
+              <a:t>time</a:t>
+            </a:r>
+            <a:r>
+              <a:rPr lang="en-CA" sz="3200" dirty="0" smtClean="0">
+                <a:latin typeface="Tahoma" panose="020B0604030504040204" pitchFamily="34" charset="0"/>
+                <a:ea typeface="Tahoma" panose="020B0604030504040204" pitchFamily="34" charset="0"/>
+                <a:cs typeface="Tahoma" panose="020B0604030504040204" pitchFamily="34" charset="0"/>
+              </a:rPr>
+              <a:t>. There were ten samples collected for this experiment.</a:t>
             </a:r>
           </a:p>
           <a:p>
@@ -5947,131 +7718,77 @@
             </a:endParaRPr>
           </a:p>
           <a:p>
-            <a:r>
-              <a:rPr lang="en-CA" sz="3200" dirty="0">
+            <a:endParaRPr lang="en-CA" sz="3200" dirty="0" smtClean="0">
+              <a:latin typeface="Tahoma" panose="020B0604030504040204" pitchFamily="34" charset="0"/>
+              <a:ea typeface="Tahoma" panose="020B0604030504040204" pitchFamily="34" charset="0"/>
+              <a:cs typeface="Tahoma" panose="020B0604030504040204" pitchFamily="34" charset="0"/>
+            </a:endParaRPr>
+          </a:p>
+          <a:p>
+            <a:endParaRPr lang="en-CA" sz="3200" dirty="0">
+              <a:latin typeface="Tahoma" panose="020B0604030504040204" pitchFamily="34" charset="0"/>
+              <a:ea typeface="Tahoma" panose="020B0604030504040204" pitchFamily="34" charset="0"/>
+              <a:cs typeface="Tahoma" panose="020B0604030504040204" pitchFamily="34" charset="0"/>
+            </a:endParaRPr>
+          </a:p>
+          <a:p>
+            <a:endParaRPr lang="en-CA" sz="3200" dirty="0" smtClean="0">
+              <a:latin typeface="Tahoma" panose="020B0604030504040204" pitchFamily="34" charset="0"/>
+              <a:ea typeface="Tahoma" panose="020B0604030504040204" pitchFamily="34" charset="0"/>
+              <a:cs typeface="Tahoma" panose="020B0604030504040204" pitchFamily="34" charset="0"/>
+            </a:endParaRPr>
+          </a:p>
+          <a:p>
+            <a:endParaRPr lang="en-CA" sz="3200" dirty="0">
+              <a:latin typeface="Tahoma" panose="020B0604030504040204" pitchFamily="34" charset="0"/>
+              <a:ea typeface="Tahoma" panose="020B0604030504040204" pitchFamily="34" charset="0"/>
+              <a:cs typeface="Tahoma" panose="020B0604030504040204" pitchFamily="34" charset="0"/>
+            </a:endParaRPr>
+          </a:p>
+          <a:p>
+            <a:endParaRPr lang="en-CA" sz="3200" dirty="0" smtClean="0">
+              <a:latin typeface="Tahoma" panose="020B0604030504040204" pitchFamily="34" charset="0"/>
+              <a:ea typeface="Tahoma" panose="020B0604030504040204" pitchFamily="34" charset="0"/>
+              <a:cs typeface="Tahoma" panose="020B0604030504040204" pitchFamily="34" charset="0"/>
+            </a:endParaRPr>
+          </a:p>
+          <a:p>
+            <a:endParaRPr lang="en-CA" sz="3200" dirty="0">
+              <a:latin typeface="Tahoma" panose="020B0604030504040204" pitchFamily="34" charset="0"/>
+              <a:ea typeface="Tahoma" panose="020B0604030504040204" pitchFamily="34" charset="0"/>
+              <a:cs typeface="Tahoma" panose="020B0604030504040204" pitchFamily="34" charset="0"/>
+            </a:endParaRPr>
+          </a:p>
+          <a:p>
+            <a:endParaRPr lang="en-CA" sz="3200" dirty="0" smtClean="0">
+              <a:latin typeface="Tahoma" panose="020B0604030504040204" pitchFamily="34" charset="0"/>
+              <a:ea typeface="Tahoma" panose="020B0604030504040204" pitchFamily="34" charset="0"/>
+              <a:cs typeface="Tahoma" panose="020B0604030504040204" pitchFamily="34" charset="0"/>
+            </a:endParaRPr>
+          </a:p>
+          <a:p>
+            <a:endParaRPr lang="en-CA" sz="3200" dirty="0">
+              <a:latin typeface="Tahoma" panose="020B0604030504040204" pitchFamily="34" charset="0"/>
+              <a:ea typeface="Tahoma" panose="020B0604030504040204" pitchFamily="34" charset="0"/>
+              <a:cs typeface="Tahoma" panose="020B0604030504040204" pitchFamily="34" charset="0"/>
+            </a:endParaRPr>
+          </a:p>
+          <a:p>
+            <a:endParaRPr lang="en-CA" sz="3200" dirty="0">
+              <a:latin typeface="Tahoma" panose="020B0604030504040204" pitchFamily="34" charset="0"/>
+              <a:ea typeface="Tahoma" panose="020B0604030504040204" pitchFamily="34" charset="0"/>
+              <a:cs typeface="Tahoma" panose="020B0604030504040204" pitchFamily="34" charset="0"/>
+            </a:endParaRPr>
+          </a:p>
+          <a:p>
+            <a:r>
+              <a:rPr lang="en-CA" sz="3200" dirty="0" smtClean="0">
                 <a:latin typeface="Tahoma" panose="020B0604030504040204" pitchFamily="34" charset="0"/>
                 <a:ea typeface="Tahoma" panose="020B0604030504040204" pitchFamily="34" charset="0"/>
                 <a:cs typeface="Tahoma" panose="020B0604030504040204" pitchFamily="34" charset="0"/>
               </a:rPr>
-              <a:t>% Add graph of Speed &amp; PWM over time (if reliable)</a:t>
-            </a:r>
-            <a:br>
-              <a:rPr lang="en-CA" sz="3200" dirty="0">
-                <a:latin typeface="Tahoma" panose="020B0604030504040204" pitchFamily="34" charset="0"/>
-                <a:ea typeface="Tahoma" panose="020B0604030504040204" pitchFamily="34" charset="0"/>
-                <a:cs typeface="Tahoma" panose="020B0604030504040204" pitchFamily="34" charset="0"/>
-              </a:rPr>
-            </a:br>
-            <a:r>
-              <a:rPr lang="en-CA" sz="3200" dirty="0">
-                <a:latin typeface="Tahoma" panose="020B0604030504040204" pitchFamily="34" charset="0"/>
-                <a:ea typeface="Tahoma" panose="020B0604030504040204" pitchFamily="34" charset="0"/>
-                <a:cs typeface="Tahoma" panose="020B0604030504040204" pitchFamily="34" charset="0"/>
-              </a:rPr>
-              <a:t>%</a:t>
-            </a:r>
-          </a:p>
-          <a:p>
-            <a:r>
-              <a:rPr lang="en-CA" sz="3200" dirty="0">
-                <a:latin typeface="Tahoma" panose="020B0604030504040204" pitchFamily="34" charset="0"/>
-                <a:ea typeface="Tahoma" panose="020B0604030504040204" pitchFamily="34" charset="0"/>
-                <a:cs typeface="Tahoma" panose="020B0604030504040204" pitchFamily="34" charset="0"/>
-              </a:rPr>
-              <a:t>% Add picture maybe? </a:t>
-            </a:r>
-          </a:p>
-          <a:p>
-            <a:r>
-              <a:rPr lang="en-CA" sz="3200" dirty="0">
-                <a:latin typeface="Tahoma" panose="020B0604030504040204" pitchFamily="34" charset="0"/>
-                <a:ea typeface="Tahoma" panose="020B0604030504040204" pitchFamily="34" charset="0"/>
-                <a:cs typeface="Tahoma" panose="020B0604030504040204" pitchFamily="34" charset="0"/>
-              </a:rPr>
-              <a:t>%</a:t>
-            </a:r>
-            <a:br>
-              <a:rPr lang="en-CA" sz="3200" dirty="0">
-                <a:latin typeface="Tahoma" panose="020B0604030504040204" pitchFamily="34" charset="0"/>
-                <a:ea typeface="Tahoma" panose="020B0604030504040204" pitchFamily="34" charset="0"/>
-                <a:cs typeface="Tahoma" panose="020B0604030504040204" pitchFamily="34" charset="0"/>
-              </a:rPr>
-            </a:br>
-            <a:r>
-              <a:rPr lang="en-CA" sz="3200" dirty="0">
-                <a:latin typeface="Tahoma" panose="020B0604030504040204" pitchFamily="34" charset="0"/>
-                <a:ea typeface="Tahoma" panose="020B0604030504040204" pitchFamily="34" charset="0"/>
-                <a:cs typeface="Tahoma" panose="020B0604030504040204" pitchFamily="34" charset="0"/>
-              </a:rPr>
-              <a:t>% Maybe make this paragraph bigger &amp; switch it with </a:t>
-            </a:r>
-          </a:p>
-          <a:p>
-            <a:r>
-              <a:rPr lang="en-CA" sz="3200" dirty="0">
-                <a:latin typeface="Tahoma" panose="020B0604030504040204" pitchFamily="34" charset="0"/>
-                <a:ea typeface="Tahoma" panose="020B0604030504040204" pitchFamily="34" charset="0"/>
-                <a:cs typeface="Tahoma" panose="020B0604030504040204" pitchFamily="34" charset="0"/>
-              </a:rPr>
-              <a:t>% Components to focus on the experiment + result? </a:t>
-            </a:r>
-          </a:p>
-          <a:p>
-            <a:r>
-              <a:rPr lang="en-CA" sz="3200" dirty="0">
-                <a:latin typeface="Tahoma" panose="020B0604030504040204" pitchFamily="34" charset="0"/>
-                <a:ea typeface="Tahoma" panose="020B0604030504040204" pitchFamily="34" charset="0"/>
-                <a:cs typeface="Tahoma" panose="020B0604030504040204" pitchFamily="34" charset="0"/>
-              </a:rPr>
-              <a:t>%</a:t>
-            </a:r>
-          </a:p>
-          <a:p>
-            <a:r>
-              <a:rPr lang="en-CA" sz="3200" dirty="0">
-                <a:latin typeface="Tahoma" panose="020B0604030504040204" pitchFamily="34" charset="0"/>
-                <a:ea typeface="Tahoma" panose="020B0604030504040204" pitchFamily="34" charset="0"/>
-                <a:cs typeface="Tahoma" panose="020B0604030504040204" pitchFamily="34" charset="0"/>
-              </a:rPr>
-              <a:t>% (!!!) Maybe we should make this experiment but with % (!!!) multiple cars instead of car to object &amp; plot both </a:t>
-            </a:r>
-            <a:br>
-              <a:rPr lang="en-CA" sz="3200" dirty="0">
-                <a:latin typeface="Tahoma" panose="020B0604030504040204" pitchFamily="34" charset="0"/>
-                <a:ea typeface="Tahoma" panose="020B0604030504040204" pitchFamily="34" charset="0"/>
-                <a:cs typeface="Tahoma" panose="020B0604030504040204" pitchFamily="34" charset="0"/>
-              </a:rPr>
-            </a:br>
-            <a:r>
-              <a:rPr lang="en-CA" sz="3200" dirty="0">
-                <a:latin typeface="Tahoma" panose="020B0604030504040204" pitchFamily="34" charset="0"/>
-                <a:ea typeface="Tahoma" panose="020B0604030504040204" pitchFamily="34" charset="0"/>
-                <a:cs typeface="Tahoma" panose="020B0604030504040204" pitchFamily="34" charset="0"/>
-              </a:rPr>
-              <a:t>% (!!!) cars to that graph? </a:t>
-            </a:r>
-          </a:p>
-          <a:p>
-            <a:r>
-              <a:rPr lang="en-CA" sz="3200" dirty="0">
-                <a:latin typeface="Tahoma" panose="020B0604030504040204" pitchFamily="34" charset="0"/>
-                <a:ea typeface="Tahoma" panose="020B0604030504040204" pitchFamily="34" charset="0"/>
-                <a:cs typeface="Tahoma" panose="020B0604030504040204" pitchFamily="34" charset="0"/>
-              </a:rPr>
-              <a:t>% (!!!) or not cause we don’t have time </a:t>
-            </a:r>
-          </a:p>
-          <a:p>
-            <a:r>
-              <a:rPr lang="en-CA" sz="3200" dirty="0">
-                <a:latin typeface="Tahoma" panose="020B0604030504040204" pitchFamily="34" charset="0"/>
-                <a:ea typeface="Tahoma" panose="020B0604030504040204" pitchFamily="34" charset="0"/>
-                <a:cs typeface="Tahoma" panose="020B0604030504040204" pitchFamily="34" charset="0"/>
-              </a:rPr>
-              <a:t>% </a:t>
-            </a:r>
-          </a:p>
-          <a:p>
+              <a:t>In the above graph it is highly likely that the eight consistent patterns is an actual picture of the cars reaction to the object. The car speed peaks up to 140 cm/s before noticing the object after which the speed decreases exponentially. Finally the car decelerates gradually while approaching the object and stops at a few centimeters distance from it.</a:t>
+            </a:r>
             <a:endParaRPr lang="en-CA" sz="3200" dirty="0">
               <a:latin typeface="Tahoma" panose="020B0604030504040204" pitchFamily="34" charset="0"/>
               <a:ea typeface="Tahoma" panose="020B0604030504040204" pitchFamily="34" charset="0"/>
@@ -6112,7 +7829,7 @@
           <p:cNvPr id="4" name="Rechthoek 3">
             <a:extLst>
               <a:ext uri="{FF2B5EF4-FFF2-40B4-BE49-F238E27FC236}">
-                <a16:creationId xmlns:a16="http://schemas.microsoft.com/office/drawing/2014/main" id="{75C1A2D1-2273-46C3-8BE7-B81F0B1D8C4B}"/>
+                <a16:creationId xmlns:a16="http://schemas.microsoft.com/office/drawing/2014/main" xmlns="" id="{75C1A2D1-2273-46C3-8BE7-B81F0B1D8C4B}"/>
               </a:ext>
             </a:extLst>
           </p:cNvPr>
@@ -6782,6 +8499,264 @@
           </a:p>
         </p:txBody>
       </p:sp>
+      <p:graphicFrame>
+        <p:nvGraphicFramePr>
+          <p:cNvPr id="50" name="Chart 49"/>
+          <p:cNvGraphicFramePr>
+            <a:graphicFrameLocks/>
+          </p:cNvGraphicFramePr>
+          <p:nvPr>
+            <p:extLst>
+              <p:ext uri="{D42A27DB-BD31-4B8C-83A1-F6EECF244321}">
+                <p14:modId xmlns:p14="http://schemas.microsoft.com/office/powerpoint/2010/main" val="1951664188"/>
+              </p:ext>
+            </p:extLst>
+          </p:nvPr>
+        </p:nvGraphicFramePr>
+        <p:xfrm>
+          <a:off x="16630650" y="13221511"/>
+          <a:ext cx="10430346" cy="4788006"/>
+        </p:xfrm>
+        <a:graphic>
+          <a:graphicData uri="http://schemas.openxmlformats.org/drawingml/2006/chart">
+            <c:chart xmlns:c="http://schemas.openxmlformats.org/drawingml/2006/chart" xmlns:r="http://schemas.openxmlformats.org/officeDocument/2006/relationships" r:id="rId6"/>
+          </a:graphicData>
+        </a:graphic>
+      </p:graphicFrame>
+      <p:sp>
+        <p:nvSpPr>
+          <p:cNvPr id="59" name="TextBox 58"/>
+          <p:cNvSpPr txBox="1"/>
+          <p:nvPr/>
+        </p:nvSpPr>
+        <p:spPr>
+          <a:xfrm>
+            <a:off x="31802366" y="7209796"/>
+            <a:ext cx="10227076" cy="6986528"/>
+          </a:xfrm>
+          <a:prstGeom prst="rect">
+            <a:avLst/>
+          </a:prstGeom>
+          <a:noFill/>
+        </p:spPr>
+        <p:txBody>
+          <a:bodyPr wrap="square" rtlCol="0">
+            <a:spAutoFit/>
+          </a:bodyPr>
+          <a:lstStyle>
+            <a:defPPr>
+              <a:defRPr kern="1200" smtId="4294967295"/>
+            </a:defPPr>
+          </a:lstStyle>
+          <a:p>
+            <a:endParaRPr lang="en-CA" sz="3200" dirty="0">
+              <a:latin typeface="Tahoma" panose="020B0604030504040204" pitchFamily="34" charset="0"/>
+              <a:ea typeface="Tahoma" panose="020B0604030504040204" pitchFamily="34" charset="0"/>
+              <a:cs typeface="Tahoma" panose="020B0604030504040204" pitchFamily="34" charset="0"/>
+            </a:endParaRPr>
+          </a:p>
+          <a:p>
+            <a:r>
+              <a:rPr lang="en-CA" sz="3200" dirty="0">
+                <a:latin typeface="Tahoma" panose="020B0604030504040204" pitchFamily="34" charset="0"/>
+                <a:ea typeface="Tahoma" panose="020B0604030504040204" pitchFamily="34" charset="0"/>
+                <a:cs typeface="Tahoma" panose="020B0604030504040204" pitchFamily="34" charset="0"/>
+              </a:rPr>
+              <a:t>1. Microcontroller: A </a:t>
+            </a:r>
+            <a:r>
+              <a:rPr lang="en-CA" sz="3200" dirty="0" err="1">
+                <a:latin typeface="Tahoma" panose="020B0604030504040204" pitchFamily="34" charset="0"/>
+                <a:ea typeface="Tahoma" panose="020B0604030504040204" pitchFamily="34" charset="0"/>
+                <a:cs typeface="Tahoma" panose="020B0604030504040204" pitchFamily="34" charset="0"/>
+              </a:rPr>
+              <a:t>NodeMCU</a:t>
+            </a:r>
+            <a:r>
+              <a:rPr lang="en-CA" sz="3200" dirty="0">
+                <a:latin typeface="Tahoma" panose="020B0604030504040204" pitchFamily="34" charset="0"/>
+                <a:ea typeface="Tahoma" panose="020B0604030504040204" pitchFamily="34" charset="0"/>
+                <a:cs typeface="Tahoma" panose="020B0604030504040204" pitchFamily="34" charset="0"/>
+              </a:rPr>
+              <a:t> with Built-in </a:t>
+            </a:r>
+            <a:r>
+              <a:rPr lang="en-CA" sz="3200" dirty="0" err="1">
+                <a:latin typeface="Tahoma" panose="020B0604030504040204" pitchFamily="34" charset="0"/>
+                <a:ea typeface="Tahoma" panose="020B0604030504040204" pitchFamily="34" charset="0"/>
+                <a:cs typeface="Tahoma" panose="020B0604030504040204" pitchFamily="34" charset="0"/>
+              </a:rPr>
+              <a:t>WiFi</a:t>
+            </a:r>
+            <a:r>
+              <a:rPr lang="en-CA" sz="3200" dirty="0">
+                <a:latin typeface="Tahoma" panose="020B0604030504040204" pitchFamily="34" charset="0"/>
+                <a:ea typeface="Tahoma" panose="020B0604030504040204" pitchFamily="34" charset="0"/>
+                <a:cs typeface="Tahoma" panose="020B0604030504040204" pitchFamily="34" charset="0"/>
+              </a:rPr>
+              <a:t>  </a:t>
+            </a:r>
+          </a:p>
+          <a:p>
+            <a:endParaRPr lang="en-CA" sz="3200" dirty="0">
+              <a:latin typeface="Tahoma" panose="020B0604030504040204" pitchFamily="34" charset="0"/>
+              <a:ea typeface="Tahoma" panose="020B0604030504040204" pitchFamily="34" charset="0"/>
+              <a:cs typeface="Tahoma" panose="020B0604030504040204" pitchFamily="34" charset="0"/>
+            </a:endParaRPr>
+          </a:p>
+          <a:p>
+            <a:r>
+              <a:rPr lang="en-CA" sz="3200" dirty="0">
+                <a:latin typeface="Tahoma" panose="020B0604030504040204" pitchFamily="34" charset="0"/>
+                <a:ea typeface="Tahoma" panose="020B0604030504040204" pitchFamily="34" charset="0"/>
+                <a:cs typeface="Tahoma" panose="020B0604030504040204" pitchFamily="34" charset="0"/>
+              </a:rPr>
+              <a:t>2. H-bridge to connect the power to the servo motor</a:t>
+            </a:r>
+          </a:p>
+          <a:p>
+            <a:endParaRPr lang="en-CA" sz="3200" dirty="0">
+              <a:latin typeface="Tahoma" panose="020B0604030504040204" pitchFamily="34" charset="0"/>
+              <a:ea typeface="Tahoma" panose="020B0604030504040204" pitchFamily="34" charset="0"/>
+              <a:cs typeface="Tahoma" panose="020B0604030504040204" pitchFamily="34" charset="0"/>
+            </a:endParaRPr>
+          </a:p>
+          <a:p>
+            <a:r>
+              <a:rPr lang="en-CA" sz="3200" dirty="0">
+                <a:latin typeface="Tahoma" panose="020B0604030504040204" pitchFamily="34" charset="0"/>
+                <a:ea typeface="Tahoma" panose="020B0604030504040204" pitchFamily="34" charset="0"/>
+                <a:cs typeface="Tahoma" panose="020B0604030504040204" pitchFamily="34" charset="0"/>
+              </a:rPr>
+              <a:t>3. 4-AA Battery holder to provide 6V of power</a:t>
+            </a:r>
+          </a:p>
+          <a:p>
+            <a:endParaRPr lang="en-CA" sz="3200" dirty="0">
+              <a:latin typeface="Tahoma" panose="020B0604030504040204" pitchFamily="34" charset="0"/>
+              <a:ea typeface="Tahoma" panose="020B0604030504040204" pitchFamily="34" charset="0"/>
+              <a:cs typeface="Tahoma" panose="020B0604030504040204" pitchFamily="34" charset="0"/>
+            </a:endParaRPr>
+          </a:p>
+          <a:p>
+            <a:r>
+              <a:rPr lang="pt-BR" sz="3200" dirty="0">
+                <a:latin typeface="Tahoma" panose="020B0604030504040204" pitchFamily="34" charset="0"/>
+                <a:ea typeface="Tahoma" panose="020B0604030504040204" pitchFamily="34" charset="0"/>
+                <a:cs typeface="Tahoma" panose="020B0604030504040204" pitchFamily="34" charset="0"/>
+              </a:rPr>
+              <a:t>4. HC-SR04 Ultrasonic sensor to measure the distance   </a:t>
+            </a:r>
+          </a:p>
+          <a:p>
+            <a:pPr marL="514350" indent="-514350">
+              <a:buFont typeface="+mj-lt"/>
+              <a:buAutoNum type="arabicPeriod"/>
+            </a:pPr>
+            <a:endParaRPr lang="pt-BR" sz="3200" dirty="0">
+              <a:latin typeface="Tahoma" panose="020B0604030504040204" pitchFamily="34" charset="0"/>
+              <a:ea typeface="Tahoma" panose="020B0604030504040204" pitchFamily="34" charset="0"/>
+              <a:cs typeface="Tahoma" panose="020B0604030504040204" pitchFamily="34" charset="0"/>
+            </a:endParaRPr>
+          </a:p>
+          <a:p>
+            <a:r>
+              <a:rPr lang="en-CA" sz="3200" dirty="0">
+                <a:latin typeface="Tahoma" panose="020B0604030504040204" pitchFamily="34" charset="0"/>
+                <a:ea typeface="Tahoma" panose="020B0604030504040204" pitchFamily="34" charset="0"/>
+                <a:cs typeface="Tahoma" panose="020B0604030504040204" pitchFamily="34" charset="0"/>
+              </a:rPr>
+              <a:t>5. Servo-motor to drive the wheels</a:t>
+            </a:r>
+          </a:p>
+          <a:p>
+            <a:endParaRPr lang="en-CA" sz="3200" dirty="0">
+              <a:latin typeface="Tahoma" panose="020B0604030504040204" pitchFamily="34" charset="0"/>
+              <a:ea typeface="Tahoma" panose="020B0604030504040204" pitchFamily="34" charset="0"/>
+              <a:cs typeface="Tahoma" panose="020B0604030504040204" pitchFamily="34" charset="0"/>
+            </a:endParaRPr>
+          </a:p>
+          <a:p>
+            <a:r>
+              <a:rPr lang="en-CA" sz="3200" dirty="0">
+                <a:latin typeface="Tahoma" panose="020B0604030504040204" pitchFamily="34" charset="0"/>
+                <a:ea typeface="Tahoma" panose="020B0604030504040204" pitchFamily="34" charset="0"/>
+                <a:cs typeface="Tahoma" panose="020B0604030504040204" pitchFamily="34" charset="0"/>
+              </a:rPr>
+              <a:t>6. Ubuntu server to communicate with the </a:t>
+            </a:r>
+            <a:r>
+              <a:rPr lang="en-CA" sz="3200" dirty="0" err="1">
+                <a:latin typeface="Tahoma" panose="020B0604030504040204" pitchFamily="34" charset="0"/>
+                <a:ea typeface="Tahoma" panose="020B0604030504040204" pitchFamily="34" charset="0"/>
+                <a:cs typeface="Tahoma" panose="020B0604030504040204" pitchFamily="34" charset="0"/>
+              </a:rPr>
+              <a:t>NodeMCU</a:t>
+            </a:r>
+            <a:endParaRPr lang="en-CA" sz="3200" dirty="0">
+              <a:latin typeface="Tahoma" panose="020B0604030504040204" pitchFamily="34" charset="0"/>
+              <a:ea typeface="Tahoma" panose="020B0604030504040204" pitchFamily="34" charset="0"/>
+              <a:cs typeface="Tahoma" panose="020B0604030504040204" pitchFamily="34" charset="0"/>
+            </a:endParaRPr>
+          </a:p>
+          <a:p>
+            <a:endParaRPr lang="en-CA" sz="3200" dirty="0">
+              <a:latin typeface="Tahoma" panose="020B0604030504040204" pitchFamily="34" charset="0"/>
+              <a:ea typeface="Tahoma" panose="020B0604030504040204" pitchFamily="34" charset="0"/>
+              <a:cs typeface="Tahoma" panose="020B0604030504040204" pitchFamily="34" charset="0"/>
+            </a:endParaRPr>
+          </a:p>
+          <a:p>
+            <a:endParaRPr lang="en-US" sz="3200" dirty="0">
+              <a:solidFill>
+                <a:schemeClr val="tx1">
+                  <a:lumMod val="65000"/>
+                  <a:lumOff val="35000"/>
+                </a:schemeClr>
+              </a:solidFill>
+              <a:latin typeface="Tahoma" panose="020B0604030504040204" pitchFamily="34" charset="0"/>
+              <a:ea typeface="Tahoma" panose="020B0604030504040204" pitchFamily="34" charset="0"/>
+              <a:cs typeface="Tahoma" panose="020B0604030504040204" pitchFamily="34" charset="0"/>
+            </a:endParaRPr>
+          </a:p>
+        </p:txBody>
+      </p:sp>
+      <p:pic>
+        <p:nvPicPr>
+          <p:cNvPr id="47" name="Afbeelding 46">
+            <a:extLst>
+              <a:ext uri="{FF2B5EF4-FFF2-40B4-BE49-F238E27FC236}">
+                <a16:creationId xmlns:a16="http://schemas.microsoft.com/office/drawing/2014/main" xmlns="" id="{A484BF36-1E50-48C2-B4B4-197BDE0C1722}"/>
+              </a:ext>
+            </a:extLst>
+          </p:cNvPr>
+          <p:cNvPicPr>
+            <a:picLocks noChangeAspect="1"/>
+          </p:cNvPicPr>
+          <p:nvPr/>
+        </p:nvPicPr>
+        <p:blipFill>
+          <a:blip r:embed="rId7">
+            <a:extLst>
+              <a:ext uri="{28A0092B-C50C-407E-A947-70E740481C1C}">
+                <a14:useLocalDpi xmlns:a14="http://schemas.microsoft.com/office/drawing/2010/main" val="0"/>
+              </a:ext>
+            </a:extLst>
+          </a:blip>
+          <a:stretch>
+            <a:fillRect/>
+          </a:stretch>
+        </p:blipFill>
+        <p:spPr>
+          <a:xfrm>
+            <a:off x="31139337" y="13221511"/>
+            <a:ext cx="10393996" cy="7087901"/>
+          </a:xfrm>
+          <a:prstGeom prst="rect">
+            <a:avLst/>
+          </a:prstGeom>
+        </p:spPr>
+      </p:pic>
     </p:spTree>
     <p:extLst>
       <p:ext uri="{BB962C8B-B14F-4D97-AF65-F5344CB8AC3E}">

--- a/FinishedProject/Sketch_gauthier_ppt.pptx
+++ b/FinishedProject/Sketch_gauthier_ppt.pptx
@@ -1180,11 +1180,11 @@
           <c:showPercent val="0"/>
           <c:showBubbleSize val="0"/>
         </c:dLbls>
-        <c:axId val="1925029712"/>
-        <c:axId val="1688268752"/>
+        <c:axId val="-1039200432"/>
+        <c:axId val="-1039198256"/>
       </c:scatterChart>
       <c:valAx>
-        <c:axId val="1925029712"/>
+        <c:axId val="-1039200432"/>
         <c:scaling>
           <c:orientation val="minMax"/>
         </c:scaling>
@@ -1311,12 +1311,12 @@
             <a:endParaRPr lang="nl-BE"/>
           </a:p>
         </c:txPr>
-        <c:crossAx val="1688268752"/>
+        <c:crossAx val="-1039198256"/>
         <c:crosses val="autoZero"/>
         <c:crossBetween val="midCat"/>
       </c:valAx>
       <c:valAx>
-        <c:axId val="1688268752"/>
+        <c:axId val="-1039198256"/>
         <c:scaling>
           <c:orientation val="minMax"/>
         </c:scaling>
@@ -1443,7 +1443,7 @@
             <a:endParaRPr lang="nl-BE"/>
           </a:p>
         </c:txPr>
-        <c:crossAx val="1925029712"/>
+        <c:crossAx val="-1039200432"/>
         <c:crosses val="autoZero"/>
         <c:crossBetween val="midCat"/>
       </c:valAx>
@@ -5673,7 +5673,7 @@
           <p:cNvPr id="1028" name="Picture 4" descr="Image result for white city background">
             <a:extLst>
               <a:ext uri="{FF2B5EF4-FFF2-40B4-BE49-F238E27FC236}">
-                <a16:creationId xmlns:a16="http://schemas.microsoft.com/office/drawing/2014/main" xmlns="" id="{97D5254D-F4A1-46DF-8C69-3439A30B5148}"/>
+                <a16:creationId xmlns="" xmlns:a16="http://schemas.microsoft.com/office/drawing/2014/main" id="{97D5254D-F4A1-46DF-8C69-3439A30B5148}"/>
               </a:ext>
             </a:extLst>
           </p:cNvPr>
@@ -5720,7 +5720,7 @@
           <p:cNvPr id="63" name="Rechthoek: afgeronde hoeken 62">
             <a:extLst>
               <a:ext uri="{FF2B5EF4-FFF2-40B4-BE49-F238E27FC236}">
-                <a16:creationId xmlns:a16="http://schemas.microsoft.com/office/drawing/2014/main" xmlns="" id="{70739A5B-E07B-46C6-B826-E250AB159A51}"/>
+                <a16:creationId xmlns="" xmlns:a16="http://schemas.microsoft.com/office/drawing/2014/main" id="{70739A5B-E07B-46C6-B826-E250AB159A51}"/>
               </a:ext>
             </a:extLst>
           </p:cNvPr>
@@ -5778,7 +5778,7 @@
           <p:cNvPr id="55" name="Rechthoek: afgeronde hoeken 54">
             <a:extLst>
               <a:ext uri="{FF2B5EF4-FFF2-40B4-BE49-F238E27FC236}">
-                <a16:creationId xmlns:a16="http://schemas.microsoft.com/office/drawing/2014/main" xmlns="" id="{1717EF3A-6E54-493E-8967-25F077456EA8}"/>
+                <a16:creationId xmlns="" xmlns:a16="http://schemas.microsoft.com/office/drawing/2014/main" id="{1717EF3A-6E54-493E-8967-25F077456EA8}"/>
               </a:ext>
             </a:extLst>
           </p:cNvPr>
@@ -5836,7 +5836,7 @@
           <p:cNvPr id="53" name="Rechthoek: afgeronde hoeken 52">
             <a:extLst>
               <a:ext uri="{FF2B5EF4-FFF2-40B4-BE49-F238E27FC236}">
-                <a16:creationId xmlns:a16="http://schemas.microsoft.com/office/drawing/2014/main" xmlns="" id="{2DB16F3E-DD85-4726-BF82-C20FA3037701}"/>
+                <a16:creationId xmlns="" xmlns:a16="http://schemas.microsoft.com/office/drawing/2014/main" id="{2DB16F3E-DD85-4726-BF82-C20FA3037701}"/>
               </a:ext>
             </a:extLst>
           </p:cNvPr>
@@ -5894,7 +5894,7 @@
           <p:cNvPr id="18" name="Rechthoek: afgeronde hoeken 17">
             <a:extLst>
               <a:ext uri="{FF2B5EF4-FFF2-40B4-BE49-F238E27FC236}">
-                <a16:creationId xmlns:a16="http://schemas.microsoft.com/office/drawing/2014/main" xmlns="" id="{DBB1BB91-B45F-4871-B59E-EB222EA99D71}"/>
+                <a16:creationId xmlns="" xmlns:a16="http://schemas.microsoft.com/office/drawing/2014/main" id="{DBB1BB91-B45F-4871-B59E-EB222EA99D71}"/>
               </a:ext>
             </a:extLst>
           </p:cNvPr>
@@ -5952,7 +5952,7 @@
           <p:cNvPr id="16" name="Rechthoek: afgeronde hoeken 15">
             <a:extLst>
               <a:ext uri="{FF2B5EF4-FFF2-40B4-BE49-F238E27FC236}">
-                <a16:creationId xmlns:a16="http://schemas.microsoft.com/office/drawing/2014/main" xmlns="" id="{DB2486F2-3632-4D12-B75A-9F64EAACE0DF}"/>
+                <a16:creationId xmlns="" xmlns:a16="http://schemas.microsoft.com/office/drawing/2014/main" id="{DB2486F2-3632-4D12-B75A-9F64EAACE0DF}"/>
               </a:ext>
             </a:extLst>
           </p:cNvPr>
@@ -6390,9 +6390,6 @@
               </a:rPr>
               <a:t>Experiment + result</a:t>
             </a:r>
-            <a:endParaRPr lang="en-US" sz="3600" dirty="0">
-              <a:latin typeface="Arial Black" pitchFamily="34" charset="0"/>
-            </a:endParaRPr>
           </a:p>
         </p:txBody>
       </p:sp>
@@ -6591,7 +6588,7 @@
           <p:cNvPr id="1030" name="Picture 6" descr="Image result for car shape">
             <a:extLst>
               <a:ext uri="{FF2B5EF4-FFF2-40B4-BE49-F238E27FC236}">
-                <a16:creationId xmlns:a16="http://schemas.microsoft.com/office/drawing/2014/main" xmlns="" id="{5C41F2C3-6974-4929-950A-0378B9013CFF}"/>
+                <a16:creationId xmlns="" xmlns:a16="http://schemas.microsoft.com/office/drawing/2014/main" id="{5C41F2C3-6974-4929-950A-0378B9013CFF}"/>
               </a:ext>
             </a:extLst>
           </p:cNvPr>
@@ -6638,7 +6635,7 @@
           <p:cNvPr id="36" name="Picture 6" descr="Image result for car shape">
             <a:extLst>
               <a:ext uri="{FF2B5EF4-FFF2-40B4-BE49-F238E27FC236}">
-                <a16:creationId xmlns:a16="http://schemas.microsoft.com/office/drawing/2014/main" xmlns="" id="{8CE1CDC5-BB24-497D-9AF1-FBB0F1C19965}"/>
+                <a16:creationId xmlns="" xmlns:a16="http://schemas.microsoft.com/office/drawing/2014/main" id="{8CE1CDC5-BB24-497D-9AF1-FBB0F1C19965}"/>
               </a:ext>
             </a:extLst>
           </p:cNvPr>
@@ -6685,7 +6682,7 @@
           <p:cNvPr id="37" name="Picture 6" descr="Image result for car shape">
             <a:extLst>
               <a:ext uri="{FF2B5EF4-FFF2-40B4-BE49-F238E27FC236}">
-                <a16:creationId xmlns:a16="http://schemas.microsoft.com/office/drawing/2014/main" xmlns="" id="{558290AE-B66C-4F39-B0B7-6CCF1B9BE004}"/>
+                <a16:creationId xmlns="" xmlns:a16="http://schemas.microsoft.com/office/drawing/2014/main" id="{558290AE-B66C-4F39-B0B7-6CCF1B9BE004}"/>
               </a:ext>
             </a:extLst>
           </p:cNvPr>
@@ -6732,7 +6729,7 @@
           <p:cNvPr id="3" name="Rechte verbindingslijn 2">
             <a:extLst>
               <a:ext uri="{FF2B5EF4-FFF2-40B4-BE49-F238E27FC236}">
-                <a16:creationId xmlns:a16="http://schemas.microsoft.com/office/drawing/2014/main" xmlns="" id="{B3D9A07A-A6D2-4385-A9FB-B12DAF511C4A}"/>
+                <a16:creationId xmlns="" xmlns:a16="http://schemas.microsoft.com/office/drawing/2014/main" id="{B3D9A07A-A6D2-4385-A9FB-B12DAF511C4A}"/>
               </a:ext>
             </a:extLst>
           </p:cNvPr>
@@ -6768,7 +6765,7 @@
           <p:cNvPr id="42" name="Rechte verbindingslijn 41">
             <a:extLst>
               <a:ext uri="{FF2B5EF4-FFF2-40B4-BE49-F238E27FC236}">
-                <a16:creationId xmlns:a16="http://schemas.microsoft.com/office/drawing/2014/main" xmlns="" id="{20EF3AED-610C-455B-8EAA-81F8BA195BA3}"/>
+                <a16:creationId xmlns="" xmlns:a16="http://schemas.microsoft.com/office/drawing/2014/main" id="{20EF3AED-610C-455B-8EAA-81F8BA195BA3}"/>
               </a:ext>
             </a:extLst>
           </p:cNvPr>
@@ -6806,7 +6803,7 @@
           <p:cNvPr id="43" name="Rechte verbindingslijn 42">
             <a:extLst>
               <a:ext uri="{FF2B5EF4-FFF2-40B4-BE49-F238E27FC236}">
-                <a16:creationId xmlns:a16="http://schemas.microsoft.com/office/drawing/2014/main" xmlns="" id="{5CF79447-DFA9-417B-B23C-D74B3B4B1396}"/>
+                <a16:creationId xmlns="" xmlns:a16="http://schemas.microsoft.com/office/drawing/2014/main" id="{5CF79447-DFA9-417B-B23C-D74B3B4B1396}"/>
               </a:ext>
             </a:extLst>
           </p:cNvPr>
@@ -6844,7 +6841,7 @@
           <p:cNvPr id="44" name="Rechte verbindingslijn 43">
             <a:extLst>
               <a:ext uri="{FF2B5EF4-FFF2-40B4-BE49-F238E27FC236}">
-                <a16:creationId xmlns:a16="http://schemas.microsoft.com/office/drawing/2014/main" xmlns="" id="{56D7EAED-E360-43F3-97E9-612C465BE250}"/>
+                <a16:creationId xmlns="" xmlns:a16="http://schemas.microsoft.com/office/drawing/2014/main" id="{56D7EAED-E360-43F3-97E9-612C465BE250}"/>
               </a:ext>
             </a:extLst>
           </p:cNvPr>
@@ -6882,7 +6879,7 @@
           <p:cNvPr id="45" name="Rechte verbindingslijn 44">
             <a:extLst>
               <a:ext uri="{FF2B5EF4-FFF2-40B4-BE49-F238E27FC236}">
-                <a16:creationId xmlns:a16="http://schemas.microsoft.com/office/drawing/2014/main" xmlns="" id="{62A443CA-32E8-42E1-8327-E281B28E9244}"/>
+                <a16:creationId xmlns="" xmlns:a16="http://schemas.microsoft.com/office/drawing/2014/main" id="{62A443CA-32E8-42E1-8327-E281B28E9244}"/>
               </a:ext>
             </a:extLst>
           </p:cNvPr>
@@ -6920,7 +6917,7 @@
           <p:cNvPr id="46" name="Rechte verbindingslijn 45">
             <a:extLst>
               <a:ext uri="{FF2B5EF4-FFF2-40B4-BE49-F238E27FC236}">
-                <a16:creationId xmlns:a16="http://schemas.microsoft.com/office/drawing/2014/main" xmlns="" id="{0FDC091F-5CF1-4C36-9695-4AA28046782B}"/>
+                <a16:creationId xmlns="" xmlns:a16="http://schemas.microsoft.com/office/drawing/2014/main" id="{0FDC091F-5CF1-4C36-9695-4AA28046782B}"/>
               </a:ext>
             </a:extLst>
           </p:cNvPr>
@@ -6958,7 +6955,7 @@
           <p:cNvPr id="60" name="Rechte verbindingslijn 59">
             <a:extLst>
               <a:ext uri="{FF2B5EF4-FFF2-40B4-BE49-F238E27FC236}">
-                <a16:creationId xmlns:a16="http://schemas.microsoft.com/office/drawing/2014/main" xmlns="" id="{EFFB158B-1571-4321-BC3D-355D50B13022}"/>
+                <a16:creationId xmlns="" xmlns:a16="http://schemas.microsoft.com/office/drawing/2014/main" id="{EFFB158B-1571-4321-BC3D-355D50B13022}"/>
               </a:ext>
             </a:extLst>
           </p:cNvPr>
@@ -6996,7 +6993,7 @@
           <p:cNvPr id="61" name="Rechte verbindingslijn 60">
             <a:extLst>
               <a:ext uri="{FF2B5EF4-FFF2-40B4-BE49-F238E27FC236}">
-                <a16:creationId xmlns:a16="http://schemas.microsoft.com/office/drawing/2014/main" xmlns="" id="{6C36F9C5-007B-4817-AA5F-76CDAC4CB80B}"/>
+                <a16:creationId xmlns="" xmlns:a16="http://schemas.microsoft.com/office/drawing/2014/main" id="{6C36F9C5-007B-4817-AA5F-76CDAC4CB80B}"/>
               </a:ext>
             </a:extLst>
           </p:cNvPr>
@@ -7034,7 +7031,7 @@
           <p:cNvPr id="62" name="Rechte verbindingslijn 61">
             <a:extLst>
               <a:ext uri="{FF2B5EF4-FFF2-40B4-BE49-F238E27FC236}">
-                <a16:creationId xmlns:a16="http://schemas.microsoft.com/office/drawing/2014/main" xmlns="" id="{9837E690-9F0F-460D-A817-807DAC5D6F03}"/>
+                <a16:creationId xmlns="" xmlns:a16="http://schemas.microsoft.com/office/drawing/2014/main" id="{9837E690-9F0F-460D-A817-807DAC5D6F03}"/>
               </a:ext>
             </a:extLst>
           </p:cNvPr>
@@ -7072,7 +7069,7 @@
           <p:cNvPr id="1032" name="Picture 8" descr="Image result for UAntwerpen">
             <a:extLst>
               <a:ext uri="{FF2B5EF4-FFF2-40B4-BE49-F238E27FC236}">
-                <a16:creationId xmlns:a16="http://schemas.microsoft.com/office/drawing/2014/main" xmlns="" id="{A24D6F1B-89F0-4271-A4E9-340D55F9B616}"/>
+                <a16:creationId xmlns="" xmlns:a16="http://schemas.microsoft.com/office/drawing/2014/main" id="{A24D6F1B-89F0-4271-A4E9-340D55F9B616}"/>
               </a:ext>
             </a:extLst>
           </p:cNvPr>
@@ -7119,7 +7116,7 @@
           <p:cNvPr id="19" name="Rechthoek 18">
             <a:extLst>
               <a:ext uri="{FF2B5EF4-FFF2-40B4-BE49-F238E27FC236}">
-                <a16:creationId xmlns:a16="http://schemas.microsoft.com/office/drawing/2014/main" xmlns="" id="{D7EFB308-85E5-46BC-9BD6-AF347E11831E}"/>
+                <a16:creationId xmlns="" xmlns:a16="http://schemas.microsoft.com/office/drawing/2014/main" id="{D7EFB308-85E5-46BC-9BD6-AF347E11831E}"/>
               </a:ext>
             </a:extLst>
           </p:cNvPr>
@@ -7199,7 +7196,7 @@
           <p:cNvPr id="49" name="Rechthoek 48">
             <a:extLst>
               <a:ext uri="{FF2B5EF4-FFF2-40B4-BE49-F238E27FC236}">
-                <a16:creationId xmlns:a16="http://schemas.microsoft.com/office/drawing/2014/main" xmlns="" id="{FD4A6F95-2DC4-4D96-9D61-1F6E6599BEEF}"/>
+                <a16:creationId xmlns="" xmlns:a16="http://schemas.microsoft.com/office/drawing/2014/main" id="{FD4A6F95-2DC4-4D96-9D61-1F6E6599BEEF}"/>
               </a:ext>
             </a:extLst>
           </p:cNvPr>
@@ -7230,7 +7227,7 @@
           <p:cNvPr id="11" name="Tekstvak 10">
             <a:extLst>
               <a:ext uri="{FF2B5EF4-FFF2-40B4-BE49-F238E27FC236}">
-                <a16:creationId xmlns:a16="http://schemas.microsoft.com/office/drawing/2014/main" xmlns="" id="{5E730A17-AE46-4C66-8C61-23A4D6409144}"/>
+                <a16:creationId xmlns="" xmlns:a16="http://schemas.microsoft.com/office/drawing/2014/main" id="{5E730A17-AE46-4C66-8C61-23A4D6409144}"/>
               </a:ext>
             </a:extLst>
           </p:cNvPr>
@@ -7262,7 +7259,7 @@
           <p:cNvPr id="27" name="Afbeelding 26">
             <a:extLst>
               <a:ext uri="{FF2B5EF4-FFF2-40B4-BE49-F238E27FC236}">
-                <a16:creationId xmlns:a16="http://schemas.microsoft.com/office/drawing/2014/main" xmlns="" id="{5784D2FA-85AB-4084-8812-CF3E1FC43E76}"/>
+                <a16:creationId xmlns="" xmlns:a16="http://schemas.microsoft.com/office/drawing/2014/main" id="{5784D2FA-85AB-4084-8812-CF3E1FC43E76}"/>
               </a:ext>
             </a:extLst>
           </p:cNvPr>
@@ -7298,7 +7295,7 @@
           <p:cNvPr id="70" name="TextBox 58">
             <a:extLst>
               <a:ext uri="{FF2B5EF4-FFF2-40B4-BE49-F238E27FC236}">
-                <a16:creationId xmlns:a16="http://schemas.microsoft.com/office/drawing/2014/main" xmlns="" id="{9229AED6-90FC-41C1-ADF6-89063A4B8A0D}"/>
+                <a16:creationId xmlns="" xmlns:a16="http://schemas.microsoft.com/office/drawing/2014/main" id="{9229AED6-90FC-41C1-ADF6-89063A4B8A0D}"/>
               </a:ext>
             </a:extLst>
           </p:cNvPr>
@@ -7419,7 +7416,7 @@
           <p:cNvPr id="48" name="Rechthoek: afgeronde hoeken 47">
             <a:extLst>
               <a:ext uri="{FF2B5EF4-FFF2-40B4-BE49-F238E27FC236}">
-                <a16:creationId xmlns:a16="http://schemas.microsoft.com/office/drawing/2014/main" xmlns="" id="{19AEDBF0-0C26-4704-92D6-6E83197D497B}"/>
+                <a16:creationId xmlns="" xmlns:a16="http://schemas.microsoft.com/office/drawing/2014/main" id="{19AEDBF0-0C26-4704-92D6-6E83197D497B}"/>
               </a:ext>
             </a:extLst>
           </p:cNvPr>
@@ -7477,7 +7474,7 @@
           <p:cNvPr id="57" name="TextBox 84">
             <a:extLst>
               <a:ext uri="{FF2B5EF4-FFF2-40B4-BE49-F238E27FC236}">
-                <a16:creationId xmlns:a16="http://schemas.microsoft.com/office/drawing/2014/main" xmlns="" id="{FFBEE8A8-EFCF-4BDA-ADCF-3197766A4A9A}"/>
+                <a16:creationId xmlns="" xmlns:a16="http://schemas.microsoft.com/office/drawing/2014/main" id="{FFBEE8A8-EFCF-4BDA-ADCF-3197766A4A9A}"/>
               </a:ext>
             </a:extLst>
           </p:cNvPr>
@@ -7524,7 +7521,7 @@
           <p:cNvPr id="58" name="Rectangle 85">
             <a:extLst>
               <a:ext uri="{FF2B5EF4-FFF2-40B4-BE49-F238E27FC236}">
-                <a16:creationId xmlns:a16="http://schemas.microsoft.com/office/drawing/2014/main" xmlns="" id="{941D3E72-4BF6-4186-9A91-3D9251E6FE29}"/>
+                <a16:creationId xmlns="" xmlns:a16="http://schemas.microsoft.com/office/drawing/2014/main" id="{941D3E72-4BF6-4186-9A91-3D9251E6FE29}"/>
               </a:ext>
             </a:extLst>
           </p:cNvPr>
@@ -7585,7 +7582,7 @@
           <p:cNvPr id="64" name="TextBox 58">
             <a:extLst>
               <a:ext uri="{FF2B5EF4-FFF2-40B4-BE49-F238E27FC236}">
-                <a16:creationId xmlns:a16="http://schemas.microsoft.com/office/drawing/2014/main" xmlns="" id="{3139CEE1-EEBB-4190-8DC4-B9BB62C3D8D1}"/>
+                <a16:creationId xmlns="" xmlns:a16="http://schemas.microsoft.com/office/drawing/2014/main" id="{3139CEE1-EEBB-4190-8DC4-B9BB62C3D8D1}"/>
               </a:ext>
             </a:extLst>
           </p:cNvPr>
@@ -7829,7 +7826,7 @@
           <p:cNvPr id="4" name="Rechthoek 3">
             <a:extLst>
               <a:ext uri="{FF2B5EF4-FFF2-40B4-BE49-F238E27FC236}">
-                <a16:creationId xmlns:a16="http://schemas.microsoft.com/office/drawing/2014/main" xmlns="" id="{75C1A2D1-2273-46C3-8BE7-B81F0B1D8C4B}"/>
+                <a16:creationId xmlns="" xmlns:a16="http://schemas.microsoft.com/office/drawing/2014/main" id="{75C1A2D1-2273-46C3-8BE7-B81F0B1D8C4B}"/>
               </a:ext>
             </a:extLst>
           </p:cNvPr>
@@ -8726,7 +8723,7 @@
           <p:cNvPr id="47" name="Afbeelding 46">
             <a:extLst>
               <a:ext uri="{FF2B5EF4-FFF2-40B4-BE49-F238E27FC236}">
-                <a16:creationId xmlns:a16="http://schemas.microsoft.com/office/drawing/2014/main" xmlns="" id="{A484BF36-1E50-48C2-B4B4-197BDE0C1722}"/>
+                <a16:creationId xmlns="" xmlns:a16="http://schemas.microsoft.com/office/drawing/2014/main" id="{A484BF36-1E50-48C2-B4B4-197BDE0C1722}"/>
               </a:ext>
             </a:extLst>
           </p:cNvPr>
